--- a/doc/plots.pptx
+++ b/doc/plots.pptx
@@ -6,6 +6,8 @@
   </p:sldMasterIdLst>
   <p:sldIdLst>
     <p:sldId id="256" r:id="rId2"/>
+    <p:sldId id="258" r:id="rId3"/>
+    <p:sldId id="257" r:id="rId4"/>
   </p:sldIdLst>
   <p:sldSz cx="12192000" cy="6858000"/>
   <p:notesSz cx="6858000" cy="9144000"/>
@@ -104,6 +106,11 @@
       </a:defRPr>
     </a:lvl9pPr>
   </p:defaultTextStyle>
+  <p:extLst>
+    <p:ext uri="{EFAFB233-063F-42B5-8137-9DF3F51BA10A}">
+      <p15:sldGuideLst xmlns:p15="http://schemas.microsoft.com/office/powerpoint/2012/main"/>
+    </p:ext>
+  </p:extLst>
 </p:presentation>
 </file>
 
@@ -256,7 +263,7 @@
           <a:p>
             <a:fld id="{F1964EA9-74EE-41FD-874A-01546244AA50}" type="datetimeFigureOut">
               <a:rPr lang="en-GB" smtClean="0"/>
-              <a:t>29/04/2024</a:t>
+              <a:t>09/05/2024</a:t>
             </a:fld>
             <a:endParaRPr lang="en-GB"/>
           </a:p>
@@ -456,7 +463,7 @@
           <a:p>
             <a:fld id="{F1964EA9-74EE-41FD-874A-01546244AA50}" type="datetimeFigureOut">
               <a:rPr lang="en-GB" smtClean="0"/>
-              <a:t>29/04/2024</a:t>
+              <a:t>09/05/2024</a:t>
             </a:fld>
             <a:endParaRPr lang="en-GB"/>
           </a:p>
@@ -666,7 +673,7 @@
           <a:p>
             <a:fld id="{F1964EA9-74EE-41FD-874A-01546244AA50}" type="datetimeFigureOut">
               <a:rPr lang="en-GB" smtClean="0"/>
-              <a:t>29/04/2024</a:t>
+              <a:t>09/05/2024</a:t>
             </a:fld>
             <a:endParaRPr lang="en-GB"/>
           </a:p>
@@ -866,7 +873,7 @@
           <a:p>
             <a:fld id="{F1964EA9-74EE-41FD-874A-01546244AA50}" type="datetimeFigureOut">
               <a:rPr lang="en-GB" smtClean="0"/>
-              <a:t>29/04/2024</a:t>
+              <a:t>09/05/2024</a:t>
             </a:fld>
             <a:endParaRPr lang="en-GB"/>
           </a:p>
@@ -1142,7 +1149,7 @@
           <a:p>
             <a:fld id="{F1964EA9-74EE-41FD-874A-01546244AA50}" type="datetimeFigureOut">
               <a:rPr lang="en-GB" smtClean="0"/>
-              <a:t>29/04/2024</a:t>
+              <a:t>09/05/2024</a:t>
             </a:fld>
             <a:endParaRPr lang="en-GB"/>
           </a:p>
@@ -1410,7 +1417,7 @@
           <a:p>
             <a:fld id="{F1964EA9-74EE-41FD-874A-01546244AA50}" type="datetimeFigureOut">
               <a:rPr lang="en-GB" smtClean="0"/>
-              <a:t>29/04/2024</a:t>
+              <a:t>09/05/2024</a:t>
             </a:fld>
             <a:endParaRPr lang="en-GB"/>
           </a:p>
@@ -1825,7 +1832,7 @@
           <a:p>
             <a:fld id="{F1964EA9-74EE-41FD-874A-01546244AA50}" type="datetimeFigureOut">
               <a:rPr lang="en-GB" smtClean="0"/>
-              <a:t>29/04/2024</a:t>
+              <a:t>09/05/2024</a:t>
             </a:fld>
             <a:endParaRPr lang="en-GB"/>
           </a:p>
@@ -1967,7 +1974,7 @@
           <a:p>
             <a:fld id="{F1964EA9-74EE-41FD-874A-01546244AA50}" type="datetimeFigureOut">
               <a:rPr lang="en-GB" smtClean="0"/>
-              <a:t>29/04/2024</a:t>
+              <a:t>09/05/2024</a:t>
             </a:fld>
             <a:endParaRPr lang="en-GB"/>
           </a:p>
@@ -2080,7 +2087,7 @@
           <a:p>
             <a:fld id="{F1964EA9-74EE-41FD-874A-01546244AA50}" type="datetimeFigureOut">
               <a:rPr lang="en-GB" smtClean="0"/>
-              <a:t>29/04/2024</a:t>
+              <a:t>09/05/2024</a:t>
             </a:fld>
             <a:endParaRPr lang="en-GB"/>
           </a:p>
@@ -2393,7 +2400,7 @@
           <a:p>
             <a:fld id="{F1964EA9-74EE-41FD-874A-01546244AA50}" type="datetimeFigureOut">
               <a:rPr lang="en-GB" smtClean="0"/>
-              <a:t>29/04/2024</a:t>
+              <a:t>09/05/2024</a:t>
             </a:fld>
             <a:endParaRPr lang="en-GB"/>
           </a:p>
@@ -2682,7 +2689,7 @@
           <a:p>
             <a:fld id="{F1964EA9-74EE-41FD-874A-01546244AA50}" type="datetimeFigureOut">
               <a:rPr lang="en-GB" smtClean="0"/>
-              <a:t>29/04/2024</a:t>
+              <a:t>09/05/2024</a:t>
             </a:fld>
             <a:endParaRPr lang="en-GB"/>
           </a:p>
@@ -2925,7 +2932,7 @@
           <a:p>
             <a:fld id="{F1964EA9-74EE-41FD-874A-01546244AA50}" type="datetimeFigureOut">
               <a:rPr lang="en-GB" smtClean="0"/>
-              <a:t>29/04/2024</a:t>
+              <a:t>09/05/2024</a:t>
             </a:fld>
             <a:endParaRPr lang="en-GB"/>
           </a:p>
@@ -3791,10 +3798,2501 @@
           </p:style>
         </p:cxnSp>
       </p:grpSp>
+      <p:grpSp>
+        <p:nvGrpSpPr>
+          <p:cNvPr id="34" name="Group 33">
+            <a:extLst>
+              <a:ext uri="{FF2B5EF4-FFF2-40B4-BE49-F238E27FC236}">
+                <a16:creationId xmlns:a16="http://schemas.microsoft.com/office/drawing/2014/main" id="{1A58B55E-2F6B-6A49-0865-01AEE2A71A5A}"/>
+              </a:ext>
+            </a:extLst>
+          </p:cNvPr>
+          <p:cNvGrpSpPr/>
+          <p:nvPr/>
+        </p:nvGrpSpPr>
+        <p:grpSpPr>
+          <a:xfrm>
+            <a:off x="682423" y="2159867"/>
+            <a:ext cx="2873564" cy="2661389"/>
+            <a:chOff x="682423" y="2159867"/>
+            <a:chExt cx="2873564" cy="2661389"/>
+          </a:xfrm>
+        </p:grpSpPr>
+        <p:grpSp>
+          <p:nvGrpSpPr>
+            <p:cNvPr id="2" name="Group 1">
+              <a:extLst>
+                <a:ext uri="{FF2B5EF4-FFF2-40B4-BE49-F238E27FC236}">
+                  <a16:creationId xmlns:a16="http://schemas.microsoft.com/office/drawing/2014/main" id="{A7C6A644-8782-CE76-DB81-EE6A65983EF9}"/>
+                </a:ext>
+              </a:extLst>
+            </p:cNvPr>
+            <p:cNvGrpSpPr/>
+            <p:nvPr/>
+          </p:nvGrpSpPr>
+          <p:grpSpPr>
+            <a:xfrm>
+              <a:off x="682423" y="2159867"/>
+              <a:ext cx="2873564" cy="2661389"/>
+              <a:chOff x="700147" y="2098305"/>
+              <a:chExt cx="2873564" cy="2661389"/>
+            </a:xfrm>
+          </p:grpSpPr>
+          <p:pic>
+            <p:nvPicPr>
+              <p:cNvPr id="3" name="Picture 2" descr="A red pipe with brown and tan background&#10;&#10;Description automatically generated with medium confidence">
+                <a:extLst>
+                  <a:ext uri="{FF2B5EF4-FFF2-40B4-BE49-F238E27FC236}">
+                    <a16:creationId xmlns:a16="http://schemas.microsoft.com/office/drawing/2014/main" id="{98BF28E6-6878-CFE7-F1F5-2E2595BC3B04}"/>
+                  </a:ext>
+                </a:extLst>
+              </p:cNvPr>
+              <p:cNvPicPr>
+                <a:picLocks noChangeAspect="1"/>
+              </p:cNvPicPr>
+              <p:nvPr/>
+            </p:nvPicPr>
+            <p:blipFill>
+              <a:blip r:embed="rId3"/>
+              <a:stretch>
+                <a:fillRect/>
+              </a:stretch>
+            </p:blipFill>
+            <p:spPr>
+              <a:xfrm>
+                <a:off x="700147" y="2098305"/>
+                <a:ext cx="2873564" cy="2661389"/>
+              </a:xfrm>
+              <a:prstGeom prst="rect">
+                <a:avLst/>
+              </a:prstGeom>
+            </p:spPr>
+          </p:pic>
+          <p:sp>
+            <p:nvSpPr>
+              <p:cNvPr id="9" name="TextBox 8">
+                <a:extLst>
+                  <a:ext uri="{FF2B5EF4-FFF2-40B4-BE49-F238E27FC236}">
+                    <a16:creationId xmlns:a16="http://schemas.microsoft.com/office/drawing/2014/main" id="{2F013B13-5297-30CA-97C1-CDB284943CD6}"/>
+                  </a:ext>
+                </a:extLst>
+              </p:cNvPr>
+              <p:cNvSpPr txBox="1"/>
+              <p:nvPr/>
+            </p:nvSpPr>
+            <p:spPr>
+              <a:xfrm>
+                <a:off x="2576221" y="3244333"/>
+                <a:ext cx="497252" cy="369332"/>
+              </a:xfrm>
+              <a:prstGeom prst="rect">
+                <a:avLst/>
+              </a:prstGeom>
+              <a:noFill/>
+            </p:spPr>
+            <p:txBody>
+              <a:bodyPr wrap="none" rtlCol="0">
+                <a:spAutoFit/>
+              </a:bodyPr>
+              <a:lstStyle/>
+              <a:p>
+                <a:r>
+                  <a:rPr lang="en-US" b="1" dirty="0"/>
+                  <a:t>M2</a:t>
+                </a:r>
+                <a:endParaRPr lang="LID4096" b="1" dirty="0"/>
+              </a:p>
+            </p:txBody>
+          </p:sp>
+          <p:sp>
+            <p:nvSpPr>
+              <p:cNvPr id="12" name="TextBox 11">
+                <a:extLst>
+                  <a:ext uri="{FF2B5EF4-FFF2-40B4-BE49-F238E27FC236}">
+                    <a16:creationId xmlns:a16="http://schemas.microsoft.com/office/drawing/2014/main" id="{46C32BEA-0C75-9850-9D9D-7CD9E8D6FCB8}"/>
+                  </a:ext>
+                </a:extLst>
+              </p:cNvPr>
+              <p:cNvSpPr txBox="1"/>
+              <p:nvPr/>
+            </p:nvSpPr>
+            <p:spPr>
+              <a:xfrm>
+                <a:off x="899821" y="3921519"/>
+                <a:ext cx="497252" cy="369332"/>
+              </a:xfrm>
+              <a:prstGeom prst="rect">
+                <a:avLst/>
+              </a:prstGeom>
+              <a:noFill/>
+            </p:spPr>
+            <p:txBody>
+              <a:bodyPr wrap="none" rtlCol="0">
+                <a:spAutoFit/>
+              </a:bodyPr>
+              <a:lstStyle/>
+              <a:p>
+                <a:r>
+                  <a:rPr lang="en-US" b="1" dirty="0"/>
+                  <a:t>M1</a:t>
+                </a:r>
+                <a:endParaRPr lang="LID4096" b="1" dirty="0"/>
+              </a:p>
+            </p:txBody>
+          </p:sp>
+        </p:grpSp>
+        <p:sp>
+          <p:nvSpPr>
+            <p:cNvPr id="32" name="TextBox 31">
+              <a:extLst>
+                <a:ext uri="{FF2B5EF4-FFF2-40B4-BE49-F238E27FC236}">
+                  <a16:creationId xmlns:a16="http://schemas.microsoft.com/office/drawing/2014/main" id="{81759053-6F0C-41AB-04CB-9FA5C7CB8B66}"/>
+                </a:ext>
+              </a:extLst>
+            </p:cNvPr>
+            <p:cNvSpPr txBox="1"/>
+            <p:nvPr/>
+          </p:nvSpPr>
+          <p:spPr>
+            <a:xfrm>
+              <a:off x="858244" y="2254252"/>
+              <a:ext cx="704039" cy="369332"/>
+            </a:xfrm>
+            <a:prstGeom prst="rect">
+              <a:avLst/>
+            </a:prstGeom>
+            <a:noFill/>
+          </p:spPr>
+          <p:txBody>
+            <a:bodyPr wrap="none" rtlCol="0">
+              <a:spAutoFit/>
+            </a:bodyPr>
+            <a:lstStyle/>
+            <a:p>
+              <a:r>
+                <a:rPr lang="en-US" b="1" dirty="0"/>
+                <a:t>Horn</a:t>
+              </a:r>
+              <a:endParaRPr lang="LID4096" b="1" dirty="0"/>
+            </a:p>
+          </p:txBody>
+        </p:sp>
+      </p:grpSp>
     </p:spTree>
     <p:extLst>
       <p:ext uri="{BB962C8B-B14F-4D97-AF65-F5344CB8AC3E}">
         <p14:creationId xmlns:p14="http://schemas.microsoft.com/office/powerpoint/2010/main" val="585232068"/>
+      </p:ext>
+    </p:extLst>
+  </p:cSld>
+  <p:clrMapOvr>
+    <a:masterClrMapping/>
+  </p:clrMapOvr>
+</p:sld>
+</file>
+
+<file path=ppt/slides/slide2.xml><?xml version="1.0" encoding="utf-8"?>
+<p:sld xmlns:a="http://schemas.openxmlformats.org/drawingml/2006/main" xmlns:r="http://schemas.openxmlformats.org/officeDocument/2006/relationships" xmlns:p="http://schemas.openxmlformats.org/presentationml/2006/main">
+  <p:cSld>
+    <p:spTree>
+      <p:nvGrpSpPr>
+        <p:cNvPr id="1" name=""/>
+        <p:cNvGrpSpPr/>
+        <p:nvPr/>
+      </p:nvGrpSpPr>
+      <p:grpSpPr>
+        <a:xfrm>
+          <a:off x="0" y="0"/>
+          <a:ext cx="0" cy="0"/>
+          <a:chOff x="0" y="0"/>
+          <a:chExt cx="0" cy="0"/>
+        </a:xfrm>
+      </p:grpSpPr>
+      <p:grpSp>
+        <p:nvGrpSpPr>
+          <p:cNvPr id="37" name="Group 36">
+            <a:extLst>
+              <a:ext uri="{FF2B5EF4-FFF2-40B4-BE49-F238E27FC236}">
+                <a16:creationId xmlns:a16="http://schemas.microsoft.com/office/drawing/2014/main" id="{0EB918DB-D54D-B698-E484-07F527176006}"/>
+              </a:ext>
+            </a:extLst>
+          </p:cNvPr>
+          <p:cNvGrpSpPr/>
+          <p:nvPr/>
+        </p:nvGrpSpPr>
+        <p:grpSpPr>
+          <a:xfrm>
+            <a:off x="2684155" y="1030281"/>
+            <a:ext cx="5063202" cy="3749774"/>
+            <a:chOff x="2684155" y="1030281"/>
+            <a:chExt cx="5063202" cy="3749774"/>
+          </a:xfrm>
+        </p:grpSpPr>
+        <p:grpSp>
+          <p:nvGrpSpPr>
+            <p:cNvPr id="31" name="Group 30">
+              <a:extLst>
+                <a:ext uri="{FF2B5EF4-FFF2-40B4-BE49-F238E27FC236}">
+                  <a16:creationId xmlns:a16="http://schemas.microsoft.com/office/drawing/2014/main" id="{59EF599F-0CCF-7B4D-0C13-3BC9E17B0E52}"/>
+                </a:ext>
+              </a:extLst>
+            </p:cNvPr>
+            <p:cNvGrpSpPr/>
+            <p:nvPr/>
+          </p:nvGrpSpPr>
+          <p:grpSpPr>
+            <a:xfrm>
+              <a:off x="2874760" y="1030281"/>
+              <a:ext cx="4872597" cy="3749774"/>
+              <a:chOff x="2874760" y="1030281"/>
+              <a:chExt cx="4872597" cy="3749774"/>
+            </a:xfrm>
+          </p:grpSpPr>
+          <p:sp>
+            <p:nvSpPr>
+              <p:cNvPr id="4" name="Arc 3">
+                <a:extLst>
+                  <a:ext uri="{FF2B5EF4-FFF2-40B4-BE49-F238E27FC236}">
+                    <a16:creationId xmlns:a16="http://schemas.microsoft.com/office/drawing/2014/main" id="{3DFA6A82-C3B3-20D0-0668-784497D2C95A}"/>
+                  </a:ext>
+                </a:extLst>
+              </p:cNvPr>
+              <p:cNvSpPr/>
+              <p:nvPr/>
+            </p:nvSpPr>
+            <p:spPr>
+              <a:xfrm rot="20490837" flipH="1">
+                <a:off x="4818490" y="1757237"/>
+                <a:ext cx="2806811" cy="2711395"/>
+              </a:xfrm>
+              <a:prstGeom prst="arc">
+                <a:avLst>
+                  <a:gd name="adj1" fmla="val 16200000"/>
+                  <a:gd name="adj2" fmla="val 19763319"/>
+                </a:avLst>
+              </a:prstGeom>
+            </p:spPr>
+            <p:style>
+              <a:lnRef idx="2">
+                <a:schemeClr val="dk1"/>
+              </a:lnRef>
+              <a:fillRef idx="0">
+                <a:schemeClr val="dk1"/>
+              </a:fillRef>
+              <a:effectRef idx="1">
+                <a:schemeClr val="dk1"/>
+              </a:effectRef>
+              <a:fontRef idx="minor">
+                <a:schemeClr val="tx1"/>
+              </a:fontRef>
+            </p:style>
+            <p:txBody>
+              <a:bodyPr rtlCol="0" anchor="ctr"/>
+              <a:lstStyle/>
+              <a:p>
+                <a:pPr algn="ctr"/>
+                <a:endParaRPr lang="LID4096"/>
+              </a:p>
+            </p:txBody>
+          </p:sp>
+          <p:sp>
+            <p:nvSpPr>
+              <p:cNvPr id="5" name="Arc 4">
+                <a:extLst>
+                  <a:ext uri="{FF2B5EF4-FFF2-40B4-BE49-F238E27FC236}">
+                    <a16:creationId xmlns:a16="http://schemas.microsoft.com/office/drawing/2014/main" id="{57548DAA-70E9-1188-3F95-AC906AF34381}"/>
+                  </a:ext>
+                </a:extLst>
+              </p:cNvPr>
+              <p:cNvSpPr/>
+              <p:nvPr/>
+            </p:nvSpPr>
+            <p:spPr>
+              <a:xfrm rot="20490837" flipV="1">
+                <a:off x="2874760" y="2068660"/>
+                <a:ext cx="2806811" cy="2711395"/>
+              </a:xfrm>
+              <a:prstGeom prst="arc">
+                <a:avLst>
+                  <a:gd name="adj1" fmla="val 16200000"/>
+                  <a:gd name="adj2" fmla="val 19763319"/>
+                </a:avLst>
+              </a:prstGeom>
+            </p:spPr>
+            <p:style>
+              <a:lnRef idx="2">
+                <a:schemeClr val="dk1"/>
+              </a:lnRef>
+              <a:fillRef idx="0">
+                <a:schemeClr val="dk1"/>
+              </a:fillRef>
+              <a:effectRef idx="1">
+                <a:schemeClr val="dk1"/>
+              </a:effectRef>
+              <a:fontRef idx="minor">
+                <a:schemeClr val="tx1"/>
+              </a:fontRef>
+            </p:style>
+            <p:txBody>
+              <a:bodyPr rtlCol="0" anchor="ctr"/>
+              <a:lstStyle/>
+              <a:p>
+                <a:pPr algn="ctr"/>
+                <a:endParaRPr lang="LID4096"/>
+              </a:p>
+            </p:txBody>
+          </p:sp>
+          <p:cxnSp>
+            <p:nvCxnSpPr>
+              <p:cNvPr id="7" name="Straight Arrow Connector 6">
+                <a:extLst>
+                  <a:ext uri="{FF2B5EF4-FFF2-40B4-BE49-F238E27FC236}">
+                    <a16:creationId xmlns:a16="http://schemas.microsoft.com/office/drawing/2014/main" id="{4EFF33B1-DF3E-DB8A-1DB6-660DE2C21C31}"/>
+                  </a:ext>
+                </a:extLst>
+              </p:cNvPr>
+              <p:cNvCxnSpPr/>
+              <p:nvPr/>
+            </p:nvCxnSpPr>
+            <p:spPr>
+              <a:xfrm>
+                <a:off x="5200153" y="2202511"/>
+                <a:ext cx="0" cy="2226366"/>
+              </a:xfrm>
+              <a:prstGeom prst="straightConnector1">
+                <a:avLst/>
+              </a:prstGeom>
+              <a:ln>
+                <a:solidFill>
+                  <a:srgbClr val="FF0000"/>
+                </a:solidFill>
+                <a:tailEnd type="triangle"/>
+              </a:ln>
+            </p:spPr>
+            <p:style>
+              <a:lnRef idx="2">
+                <a:schemeClr val="accent1"/>
+              </a:lnRef>
+              <a:fillRef idx="0">
+                <a:schemeClr val="accent1"/>
+              </a:fillRef>
+              <a:effectRef idx="1">
+                <a:schemeClr val="accent1"/>
+              </a:effectRef>
+              <a:fontRef idx="minor">
+                <a:schemeClr val="tx1"/>
+              </a:fontRef>
+            </p:style>
+          </p:cxnSp>
+          <p:cxnSp>
+            <p:nvCxnSpPr>
+              <p:cNvPr id="8" name="Straight Arrow Connector 7">
+                <a:extLst>
+                  <a:ext uri="{FF2B5EF4-FFF2-40B4-BE49-F238E27FC236}">
+                    <a16:creationId xmlns:a16="http://schemas.microsoft.com/office/drawing/2014/main" id="{09F9F0B5-BAA5-159A-FF19-124F52E96CE2}"/>
+                  </a:ext>
+                </a:extLst>
+              </p:cNvPr>
+              <p:cNvCxnSpPr>
+                <a:cxnSpLocks/>
+              </p:cNvCxnSpPr>
+              <p:nvPr/>
+            </p:nvCxnSpPr>
+            <p:spPr>
+              <a:xfrm flipH="1">
+                <a:off x="5200153" y="2202511"/>
+                <a:ext cx="1160890" cy="0"/>
+              </a:xfrm>
+              <a:prstGeom prst="straightConnector1">
+                <a:avLst/>
+              </a:prstGeom>
+              <a:ln>
+                <a:solidFill>
+                  <a:srgbClr val="FF0000"/>
+                </a:solidFill>
+                <a:tailEnd type="triangle"/>
+              </a:ln>
+            </p:spPr>
+            <p:style>
+              <a:lnRef idx="2">
+                <a:schemeClr val="accent1"/>
+              </a:lnRef>
+              <a:fillRef idx="0">
+                <a:schemeClr val="accent1"/>
+              </a:fillRef>
+              <a:effectRef idx="1">
+                <a:schemeClr val="accent1"/>
+              </a:effectRef>
+              <a:fontRef idx="minor">
+                <a:schemeClr val="tx1"/>
+              </a:fontRef>
+            </p:style>
+          </p:cxnSp>
+          <p:cxnSp>
+            <p:nvCxnSpPr>
+              <p:cNvPr id="11" name="Straight Arrow Connector 10">
+                <a:extLst>
+                  <a:ext uri="{FF2B5EF4-FFF2-40B4-BE49-F238E27FC236}">
+                    <a16:creationId xmlns:a16="http://schemas.microsoft.com/office/drawing/2014/main" id="{74794C82-C2E1-C363-7969-8CB347169A06}"/>
+                  </a:ext>
+                </a:extLst>
+              </p:cNvPr>
+              <p:cNvCxnSpPr>
+                <a:cxnSpLocks/>
+              </p:cNvCxnSpPr>
+              <p:nvPr/>
+            </p:nvCxnSpPr>
+            <p:spPr>
+              <a:xfrm flipH="1">
+                <a:off x="3061252" y="4428877"/>
+                <a:ext cx="2138901" cy="0"/>
+              </a:xfrm>
+              <a:prstGeom prst="straightConnector1">
+                <a:avLst/>
+              </a:prstGeom>
+              <a:ln>
+                <a:solidFill>
+                  <a:srgbClr val="FF0000"/>
+                </a:solidFill>
+                <a:tailEnd type="triangle"/>
+              </a:ln>
+            </p:spPr>
+            <p:style>
+              <a:lnRef idx="2">
+                <a:schemeClr val="accent1"/>
+              </a:lnRef>
+              <a:fillRef idx="0">
+                <a:schemeClr val="accent1"/>
+              </a:fillRef>
+              <a:effectRef idx="1">
+                <a:schemeClr val="accent1"/>
+              </a:effectRef>
+              <a:fontRef idx="minor">
+                <a:schemeClr val="tx1"/>
+              </a:fontRef>
+            </p:style>
+          </p:cxnSp>
+          <p:sp>
+            <p:nvSpPr>
+              <p:cNvPr id="14" name="Isosceles Triangle 13">
+                <a:extLst>
+                  <a:ext uri="{FF2B5EF4-FFF2-40B4-BE49-F238E27FC236}">
+                    <a16:creationId xmlns:a16="http://schemas.microsoft.com/office/drawing/2014/main" id="{CE663AAF-7B97-9423-07B8-ADF976B5A11F}"/>
+                  </a:ext>
+                </a:extLst>
+              </p:cNvPr>
+              <p:cNvSpPr/>
+              <p:nvPr/>
+            </p:nvSpPr>
+            <p:spPr>
+              <a:xfrm rot="5400000">
+                <a:off x="6460434" y="1999753"/>
+                <a:ext cx="206733" cy="405516"/>
+              </a:xfrm>
+              <a:prstGeom prst="triangle">
+                <a:avLst/>
+              </a:prstGeom>
+              <a:solidFill>
+                <a:srgbClr val="FFC000"/>
+              </a:solidFill>
+              <a:ln>
+                <a:solidFill>
+                  <a:srgbClr val="FFC000"/>
+                </a:solidFill>
+              </a:ln>
+            </p:spPr>
+            <p:style>
+              <a:lnRef idx="2">
+                <a:schemeClr val="accent1">
+                  <a:shade val="15000"/>
+                </a:schemeClr>
+              </a:lnRef>
+              <a:fillRef idx="1">
+                <a:schemeClr val="accent1"/>
+              </a:fillRef>
+              <a:effectRef idx="0">
+                <a:schemeClr val="accent1"/>
+              </a:effectRef>
+              <a:fontRef idx="minor">
+                <a:schemeClr val="lt1"/>
+              </a:fontRef>
+            </p:style>
+            <p:txBody>
+              <a:bodyPr rtlCol="0" anchor="ctr"/>
+              <a:lstStyle/>
+              <a:p>
+                <a:pPr algn="ctr"/>
+                <a:endParaRPr lang="LID4096"/>
+              </a:p>
+            </p:txBody>
+          </p:sp>
+          <p:cxnSp>
+            <p:nvCxnSpPr>
+              <p:cNvPr id="16" name="Straight Connector 15">
+                <a:extLst>
+                  <a:ext uri="{FF2B5EF4-FFF2-40B4-BE49-F238E27FC236}">
+                    <a16:creationId xmlns:a16="http://schemas.microsoft.com/office/drawing/2014/main" id="{60D6DBFE-DE55-D677-8E8C-C95D6C756C4B}"/>
+                  </a:ext>
+                </a:extLst>
+              </p:cNvPr>
+              <p:cNvCxnSpPr/>
+              <p:nvPr/>
+            </p:nvCxnSpPr>
+            <p:spPr>
+              <a:xfrm>
+                <a:off x="6361042" y="1622066"/>
+                <a:ext cx="0" cy="1144988"/>
+              </a:xfrm>
+              <a:prstGeom prst="line">
+                <a:avLst/>
+              </a:prstGeom>
+              <a:ln w="28575">
+                <a:prstDash val="dash"/>
+              </a:ln>
+            </p:spPr>
+            <p:style>
+              <a:lnRef idx="1">
+                <a:schemeClr val="dk1"/>
+              </a:lnRef>
+              <a:fillRef idx="0">
+                <a:schemeClr val="dk1"/>
+              </a:fillRef>
+              <a:effectRef idx="0">
+                <a:schemeClr val="dk1"/>
+              </a:effectRef>
+              <a:fontRef idx="minor">
+                <a:schemeClr val="tx1"/>
+              </a:fontRef>
+            </p:style>
+          </p:cxnSp>
+          <p:cxnSp>
+            <p:nvCxnSpPr>
+              <p:cNvPr id="17" name="Straight Connector 16">
+                <a:extLst>
+                  <a:ext uri="{FF2B5EF4-FFF2-40B4-BE49-F238E27FC236}">
+                    <a16:creationId xmlns:a16="http://schemas.microsoft.com/office/drawing/2014/main" id="{CAA9096A-0F8F-4DD0-4992-C53CB2320EF5}"/>
+                  </a:ext>
+                </a:extLst>
+              </p:cNvPr>
+              <p:cNvCxnSpPr/>
+              <p:nvPr/>
+            </p:nvCxnSpPr>
+            <p:spPr>
+              <a:xfrm>
+                <a:off x="5200153" y="1622066"/>
+                <a:ext cx="0" cy="1144988"/>
+              </a:xfrm>
+              <a:prstGeom prst="line">
+                <a:avLst/>
+              </a:prstGeom>
+              <a:ln>
+                <a:prstDash val="dash"/>
+              </a:ln>
+            </p:spPr>
+            <p:style>
+              <a:lnRef idx="1">
+                <a:schemeClr val="dk1"/>
+              </a:lnRef>
+              <a:fillRef idx="0">
+                <a:schemeClr val="dk1"/>
+              </a:fillRef>
+              <a:effectRef idx="0">
+                <a:schemeClr val="dk1"/>
+              </a:effectRef>
+              <a:fontRef idx="minor">
+                <a:schemeClr val="tx1"/>
+              </a:fontRef>
+            </p:style>
+          </p:cxnSp>
+          <p:sp>
+            <p:nvSpPr>
+              <p:cNvPr id="18" name="TextBox 17">
+                <a:extLst>
+                  <a:ext uri="{FF2B5EF4-FFF2-40B4-BE49-F238E27FC236}">
+                    <a16:creationId xmlns:a16="http://schemas.microsoft.com/office/drawing/2014/main" id="{337CBF78-D034-0A16-F99E-719905156E68}"/>
+                  </a:ext>
+                </a:extLst>
+              </p:cNvPr>
+              <p:cNvSpPr txBox="1"/>
+              <p:nvPr/>
+            </p:nvSpPr>
+            <p:spPr>
+              <a:xfrm>
+                <a:off x="5922837" y="1030281"/>
+                <a:ext cx="917239" cy="307777"/>
+              </a:xfrm>
+              <a:prstGeom prst="rect">
+                <a:avLst/>
+              </a:prstGeom>
+              <a:noFill/>
+            </p:spPr>
+            <p:txBody>
+              <a:bodyPr wrap="none" rtlCol="0">
+                <a:spAutoFit/>
+              </a:bodyPr>
+              <a:lstStyle/>
+              <a:p>
+                <a:r>
+                  <a:rPr lang="en-US" sz="1400" dirty="0"/>
+                  <a:t>R</a:t>
+                </a:r>
+                <a:r>
+                  <a:rPr lang="en-US" altLang="zh-CN" sz="1400" dirty="0"/>
+                  <a:t>ef plane</a:t>
+                </a:r>
+                <a:endParaRPr lang="LID4096" sz="1400" dirty="0"/>
+              </a:p>
+            </p:txBody>
+          </p:sp>
+          <p:cxnSp>
+            <p:nvCxnSpPr>
+              <p:cNvPr id="20" name="Straight Arrow Connector 19">
+                <a:extLst>
+                  <a:ext uri="{FF2B5EF4-FFF2-40B4-BE49-F238E27FC236}">
+                    <a16:creationId xmlns:a16="http://schemas.microsoft.com/office/drawing/2014/main" id="{1DAD56D1-93B1-A837-B510-670C54DAD508}"/>
+                  </a:ext>
+                </a:extLst>
+              </p:cNvPr>
+              <p:cNvCxnSpPr/>
+              <p:nvPr/>
+            </p:nvCxnSpPr>
+            <p:spPr>
+              <a:xfrm flipV="1">
+                <a:off x="5200153" y="1690815"/>
+                <a:ext cx="1160889" cy="12099"/>
+              </a:xfrm>
+              <a:prstGeom prst="straightConnector1">
+                <a:avLst/>
+              </a:prstGeom>
+              <a:ln w="12700">
+                <a:solidFill>
+                  <a:schemeClr val="tx1"/>
+                </a:solidFill>
+                <a:headEnd type="triangle" w="sm" len="lg"/>
+                <a:tailEnd type="triangle" w="sm" len="lg"/>
+              </a:ln>
+            </p:spPr>
+            <p:style>
+              <a:lnRef idx="2">
+                <a:schemeClr val="accent1"/>
+              </a:lnRef>
+              <a:fillRef idx="0">
+                <a:schemeClr val="accent1"/>
+              </a:fillRef>
+              <a:effectRef idx="1">
+                <a:schemeClr val="accent1"/>
+              </a:effectRef>
+              <a:fontRef idx="minor">
+                <a:schemeClr val="tx1"/>
+              </a:fontRef>
+            </p:style>
+          </p:cxnSp>
+          <mc:AlternateContent xmlns:mc="http://schemas.openxmlformats.org/markup-compatibility/2006">
+            <mc:Choice xmlns:a14="http://schemas.microsoft.com/office/drawing/2010/main" Requires="a14">
+              <p:sp>
+                <p:nvSpPr>
+                  <p:cNvPr id="21" name="TextBox 20">
+                    <a:extLst>
+                      <a:ext uri="{FF2B5EF4-FFF2-40B4-BE49-F238E27FC236}">
+                        <a16:creationId xmlns:a16="http://schemas.microsoft.com/office/drawing/2014/main" id="{B1C3AD43-6E8C-28C8-E842-36D872E5ABD4}"/>
+                      </a:ext>
+                    </a:extLst>
+                  </p:cNvPr>
+                  <p:cNvSpPr txBox="1"/>
+                  <p:nvPr/>
+                </p:nvSpPr>
+                <p:spPr>
+                  <a:xfrm>
+                    <a:off x="5274675" y="1441425"/>
+                    <a:ext cx="988796" cy="276999"/>
+                  </a:xfrm>
+                  <a:prstGeom prst="rect">
+                    <a:avLst/>
+                  </a:prstGeom>
+                  <a:noFill/>
+                </p:spPr>
+                <p:txBody>
+                  <a:bodyPr wrap="none" rtlCol="0">
+                    <a:spAutoFit/>
+                  </a:bodyPr>
+                  <a:lstStyle/>
+                  <a:p>
+                    <a14:m>
+                      <m:oMathPara xmlns:m="http://schemas.openxmlformats.org/officeDocument/2006/math">
+                        <m:oMathParaPr>
+                          <m:jc m:val="centerGroup"/>
+                        </m:oMathParaPr>
+                        <m:oMath xmlns:m="http://schemas.openxmlformats.org/officeDocument/2006/math">
+                          <m:sSub>
+                            <m:sSubPr>
+                              <m:ctrlPr>
+                                <a:rPr lang="en-US" sz="1200" b="0" i="1" smtClean="0">
+                                  <a:latin typeface="Cambria Math" panose="02040503050406030204" pitchFamily="18" charset="0"/>
+                                </a:rPr>
+                              </m:ctrlPr>
+                            </m:sSubPr>
+                            <m:e>
+                              <m:r>
+                                <a:rPr lang="en-US" sz="1200" b="0" i="1" smtClean="0">
+                                  <a:latin typeface="Cambria Math" panose="02040503050406030204" pitchFamily="18" charset="0"/>
+                                </a:rPr>
+                                <m:t>𝑧</m:t>
+                              </m:r>
+                            </m:e>
+                            <m:sub>
+                              <m:r>
+                                <a:rPr lang="en-US" sz="1200" b="0" i="1" smtClean="0">
+                                  <a:latin typeface="Cambria Math" panose="02040503050406030204" pitchFamily="18" charset="0"/>
+                                </a:rPr>
+                                <m:t>0</m:t>
+                              </m:r>
+                            </m:sub>
+                          </m:sSub>
+                          <m:r>
+                            <a:rPr lang="en-US" sz="1200" b="0" i="1" smtClean="0">
+                              <a:latin typeface="Cambria Math" panose="02040503050406030204" pitchFamily="18" charset="0"/>
+                            </a:rPr>
+                            <m:t>=18</m:t>
+                          </m:r>
+                          <m:r>
+                            <a:rPr lang="en-US" sz="1200" b="0" i="1" smtClean="0">
+                              <a:latin typeface="Cambria Math" panose="02040503050406030204" pitchFamily="18" charset="0"/>
+                            </a:rPr>
+                            <m:t>𝑚𝑚</m:t>
+                          </m:r>
+                        </m:oMath>
+                      </m:oMathPara>
+                    </a14:m>
+                    <a:endParaRPr lang="LID4096" sz="1200" dirty="0"/>
+                  </a:p>
+                </p:txBody>
+              </p:sp>
+            </mc:Choice>
+            <mc:Fallback>
+              <p:sp>
+                <p:nvSpPr>
+                  <p:cNvPr id="21" name="TextBox 20">
+                    <a:extLst>
+                      <a:ext uri="{FF2B5EF4-FFF2-40B4-BE49-F238E27FC236}">
+                        <a16:creationId xmlns:a16="http://schemas.microsoft.com/office/drawing/2014/main" id="{B1C3AD43-6E8C-28C8-E842-36D872E5ABD4}"/>
+                      </a:ext>
+                    </a:extLst>
+                  </p:cNvPr>
+                  <p:cNvSpPr txBox="1">
+                    <a:spLocks noRot="1" noChangeAspect="1" noMove="1" noResize="1" noEditPoints="1" noAdjustHandles="1" noChangeArrowheads="1" noChangeShapeType="1" noTextEdit="1"/>
+                  </p:cNvSpPr>
+                  <p:nvPr/>
+                </p:nvSpPr>
+                <p:spPr>
+                  <a:xfrm>
+                    <a:off x="5274675" y="1441425"/>
+                    <a:ext cx="988796" cy="276999"/>
+                  </a:xfrm>
+                  <a:prstGeom prst="rect">
+                    <a:avLst/>
+                  </a:prstGeom>
+                  <a:blipFill>
+                    <a:blip r:embed="rId2"/>
+                    <a:stretch>
+                      <a:fillRect/>
+                    </a:stretch>
+                  </a:blipFill>
+                </p:spPr>
+                <p:txBody>
+                  <a:bodyPr/>
+                  <a:lstStyle/>
+                  <a:p>
+                    <a:r>
+                      <a:rPr lang="LID4096">
+                        <a:noFill/>
+                      </a:rPr>
+                      <a:t> </a:t>
+                    </a:r>
+                  </a:p>
+                </p:txBody>
+              </p:sp>
+            </mc:Fallback>
+          </mc:AlternateContent>
+          <p:cxnSp>
+            <p:nvCxnSpPr>
+              <p:cNvPr id="22" name="Straight Arrow Connector 21">
+                <a:extLst>
+                  <a:ext uri="{FF2B5EF4-FFF2-40B4-BE49-F238E27FC236}">
+                    <a16:creationId xmlns:a16="http://schemas.microsoft.com/office/drawing/2014/main" id="{758E782E-5B16-FD1E-3155-F884E5F8421B}"/>
+                  </a:ext>
+                </a:extLst>
+              </p:cNvPr>
+              <p:cNvCxnSpPr>
+                <a:cxnSpLocks/>
+              </p:cNvCxnSpPr>
+              <p:nvPr/>
+            </p:nvCxnSpPr>
+            <p:spPr>
+              <a:xfrm>
+                <a:off x="6361041" y="1689983"/>
+                <a:ext cx="954159" cy="0"/>
+              </a:xfrm>
+              <a:prstGeom prst="straightConnector1">
+                <a:avLst/>
+              </a:prstGeom>
+              <a:ln w="12700">
+                <a:solidFill>
+                  <a:schemeClr val="tx1"/>
+                </a:solidFill>
+                <a:headEnd type="triangle" w="sm" len="lg"/>
+                <a:tailEnd type="triangle" w="sm" len="lg"/>
+              </a:ln>
+            </p:spPr>
+            <p:style>
+              <a:lnRef idx="2">
+                <a:schemeClr val="accent1"/>
+              </a:lnRef>
+              <a:fillRef idx="0">
+                <a:schemeClr val="accent1"/>
+              </a:fillRef>
+              <a:effectRef idx="1">
+                <a:schemeClr val="accent1"/>
+              </a:effectRef>
+              <a:fontRef idx="minor">
+                <a:schemeClr val="tx1"/>
+              </a:fontRef>
+            </p:style>
+          </p:cxnSp>
+          <p:cxnSp>
+            <p:nvCxnSpPr>
+              <p:cNvPr id="24" name="Straight Connector 23">
+                <a:extLst>
+                  <a:ext uri="{FF2B5EF4-FFF2-40B4-BE49-F238E27FC236}">
+                    <a16:creationId xmlns:a16="http://schemas.microsoft.com/office/drawing/2014/main" id="{3B1FE0E8-E14B-A15F-0A7C-198076610017}"/>
+                  </a:ext>
+                </a:extLst>
+              </p:cNvPr>
+              <p:cNvCxnSpPr/>
+              <p:nvPr/>
+            </p:nvCxnSpPr>
+            <p:spPr>
+              <a:xfrm>
+                <a:off x="7335478" y="1622066"/>
+                <a:ext cx="0" cy="1144988"/>
+              </a:xfrm>
+              <a:prstGeom prst="line">
+                <a:avLst/>
+              </a:prstGeom>
+              <a:ln>
+                <a:prstDash val="solid"/>
+              </a:ln>
+            </p:spPr>
+            <p:style>
+              <a:lnRef idx="1">
+                <a:schemeClr val="dk1"/>
+              </a:lnRef>
+              <a:fillRef idx="0">
+                <a:schemeClr val="dk1"/>
+              </a:fillRef>
+              <a:effectRef idx="0">
+                <a:schemeClr val="dk1"/>
+              </a:effectRef>
+              <a:fontRef idx="minor">
+                <a:schemeClr val="tx1"/>
+              </a:fontRef>
+            </p:style>
+          </p:cxnSp>
+          <p:sp>
+            <p:nvSpPr>
+              <p:cNvPr id="25" name="Isosceles Triangle 24">
+                <a:extLst>
+                  <a:ext uri="{FF2B5EF4-FFF2-40B4-BE49-F238E27FC236}">
+                    <a16:creationId xmlns:a16="http://schemas.microsoft.com/office/drawing/2014/main" id="{CC3D0015-ED59-15F3-BA30-2D7ED082CB46}"/>
+                  </a:ext>
+                </a:extLst>
+              </p:cNvPr>
+              <p:cNvSpPr/>
+              <p:nvPr/>
+            </p:nvSpPr>
+            <p:spPr>
+              <a:xfrm rot="5400000">
+                <a:off x="7441232" y="1991802"/>
+                <a:ext cx="206733" cy="405516"/>
+              </a:xfrm>
+              <a:prstGeom prst="triangle">
+                <a:avLst/>
+              </a:prstGeom>
+              <a:gradFill flip="none" rotWithShape="1">
+                <a:gsLst>
+                  <a:gs pos="0">
+                    <a:srgbClr val="FFC000">
+                      <a:tint val="66000"/>
+                      <a:satMod val="160000"/>
+                    </a:srgbClr>
+                  </a:gs>
+                  <a:gs pos="50000">
+                    <a:srgbClr val="FFC000">
+                      <a:tint val="44500"/>
+                      <a:satMod val="160000"/>
+                    </a:srgbClr>
+                  </a:gs>
+                  <a:gs pos="100000">
+                    <a:srgbClr val="FFC000">
+                      <a:tint val="23500"/>
+                      <a:satMod val="160000"/>
+                    </a:srgbClr>
+                  </a:gs>
+                </a:gsLst>
+                <a:lin ang="2700000" scaled="1"/>
+                <a:tileRect/>
+              </a:gradFill>
+              <a:ln>
+                <a:solidFill>
+                  <a:srgbClr val="FFC000"/>
+                </a:solidFill>
+                <a:prstDash val="sysDot"/>
+              </a:ln>
+            </p:spPr>
+            <p:style>
+              <a:lnRef idx="2">
+                <a:schemeClr val="accent1">
+                  <a:shade val="15000"/>
+                </a:schemeClr>
+              </a:lnRef>
+              <a:fillRef idx="1">
+                <a:schemeClr val="accent1"/>
+              </a:fillRef>
+              <a:effectRef idx="0">
+                <a:schemeClr val="accent1"/>
+              </a:effectRef>
+              <a:fontRef idx="minor">
+                <a:schemeClr val="lt1"/>
+              </a:fontRef>
+            </p:style>
+            <p:txBody>
+              <a:bodyPr rtlCol="0" anchor="ctr"/>
+              <a:lstStyle/>
+              <a:p>
+                <a:pPr algn="ctr"/>
+                <a:endParaRPr lang="LID4096"/>
+              </a:p>
+            </p:txBody>
+          </p:sp>
+          <mc:AlternateContent xmlns:mc="http://schemas.openxmlformats.org/markup-compatibility/2006">
+            <mc:Choice xmlns:a14="http://schemas.microsoft.com/office/drawing/2010/main" Requires="a14">
+              <p:sp>
+                <p:nvSpPr>
+                  <p:cNvPr id="26" name="TextBox 25">
+                    <a:extLst>
+                      <a:ext uri="{FF2B5EF4-FFF2-40B4-BE49-F238E27FC236}">
+                        <a16:creationId xmlns:a16="http://schemas.microsoft.com/office/drawing/2014/main" id="{2EAD1633-8243-E21B-0482-427E63E042FB}"/>
+                      </a:ext>
+                    </a:extLst>
+                  </p:cNvPr>
+                  <p:cNvSpPr txBox="1"/>
+                  <p:nvPr/>
+                </p:nvSpPr>
+                <p:spPr>
+                  <a:xfrm>
+                    <a:off x="6361040" y="1459700"/>
+                    <a:ext cx="1031628" cy="461665"/>
+                  </a:xfrm>
+                  <a:prstGeom prst="rect">
+                    <a:avLst/>
+                  </a:prstGeom>
+                  <a:noFill/>
+                </p:spPr>
+                <p:txBody>
+                  <a:bodyPr wrap="none" rtlCol="0">
+                    <a:spAutoFit/>
+                  </a:bodyPr>
+                  <a:lstStyle/>
+                  <a:p>
+                    <a14:m>
+                      <m:oMathPara xmlns:m="http://schemas.openxmlformats.org/officeDocument/2006/math">
+                        <m:oMathParaPr>
+                          <m:jc m:val="centerGroup"/>
+                        </m:oMathParaPr>
+                        <m:oMath xmlns:m="http://schemas.openxmlformats.org/officeDocument/2006/math">
+                          <m:r>
+                            <a:rPr lang="en-US" altLang="zh-CN" sz="1200" b="0" i="1" smtClean="0">
+                              <a:latin typeface="Cambria Math" panose="02040503050406030204" pitchFamily="18" charset="0"/>
+                            </a:rPr>
+                            <m:t>0~12</m:t>
+                          </m:r>
+                          <m:r>
+                            <a:rPr lang="en-US" altLang="zh-CN" sz="1200" b="0" i="1" smtClean="0">
+                              <a:latin typeface="Cambria Math" panose="02040503050406030204" pitchFamily="18" charset="0"/>
+                            </a:rPr>
+                            <m:t>𝑚𝑚</m:t>
+                          </m:r>
+                        </m:oMath>
+                      </m:oMathPara>
+                    </a14:m>
+                    <a:endParaRPr lang="en-US" altLang="zh-CN" sz="1200" i="1" dirty="0">
+                      <a:latin typeface="Cambria Math" panose="02040503050406030204" pitchFamily="18" charset="0"/>
+                    </a:endParaRPr>
+                  </a:p>
+                  <a:p>
+                    <a14:m>
+                      <m:oMathPara xmlns:m="http://schemas.openxmlformats.org/officeDocument/2006/math">
+                        <m:oMathParaPr>
+                          <m:jc m:val="centerGroup"/>
+                        </m:oMathParaPr>
+                        <m:oMath xmlns:m="http://schemas.openxmlformats.org/officeDocument/2006/math">
+                          <m:r>
+                            <m:rPr>
+                              <m:sty m:val="p"/>
+                            </m:rPr>
+                            <a:rPr lang="en-US" altLang="zh-CN" sz="1200" i="1" smtClean="0">
+                              <a:latin typeface="Cambria Math" panose="02040503050406030204" pitchFamily="18" charset="0"/>
+                            </a:rPr>
+                            <m:t>d</m:t>
+                          </m:r>
+                          <m:r>
+                            <m:rPr>
+                              <m:sty m:val="p"/>
+                            </m:rPr>
+                            <a:rPr lang="en-US" altLang="zh-CN" sz="1200" i="1">
+                              <a:latin typeface="Cambria Math" panose="02040503050406030204" pitchFamily="18" charset="0"/>
+                            </a:rPr>
+                            <m:t>z</m:t>
+                          </m:r>
+                          <m:r>
+                            <a:rPr lang="en-US" altLang="zh-CN" sz="1200" b="0" i="1" smtClean="0">
+                              <a:latin typeface="Cambria Math" panose="02040503050406030204" pitchFamily="18" charset="0"/>
+                            </a:rPr>
+                            <m:t>=0.1</m:t>
+                          </m:r>
+                          <m:r>
+                            <m:rPr>
+                              <m:sty m:val="p"/>
+                            </m:rPr>
+                            <a:rPr lang="en-US" altLang="zh-CN" sz="1200" i="1">
+                              <a:latin typeface="Cambria Math" panose="02040503050406030204" pitchFamily="18" charset="0"/>
+                            </a:rPr>
+                            <m:t>mm</m:t>
+                          </m:r>
+                        </m:oMath>
+                      </m:oMathPara>
+                    </a14:m>
+                    <a:endParaRPr lang="LID4096" sz="1200" dirty="0"/>
+                  </a:p>
+                </p:txBody>
+              </p:sp>
+            </mc:Choice>
+            <mc:Fallback>
+              <p:sp>
+                <p:nvSpPr>
+                  <p:cNvPr id="26" name="TextBox 25">
+                    <a:extLst>
+                      <a:ext uri="{FF2B5EF4-FFF2-40B4-BE49-F238E27FC236}">
+                        <a16:creationId xmlns:a16="http://schemas.microsoft.com/office/drawing/2014/main" id="{2EAD1633-8243-E21B-0482-427E63E042FB}"/>
+                      </a:ext>
+                    </a:extLst>
+                  </p:cNvPr>
+                  <p:cNvSpPr txBox="1">
+                    <a:spLocks noRot="1" noChangeAspect="1" noMove="1" noResize="1" noEditPoints="1" noAdjustHandles="1" noChangeArrowheads="1" noChangeShapeType="1" noTextEdit="1"/>
+                  </p:cNvSpPr>
+                  <p:nvPr/>
+                </p:nvSpPr>
+                <p:spPr>
+                  <a:xfrm>
+                    <a:off x="6361040" y="1459700"/>
+                    <a:ext cx="1031628" cy="461665"/>
+                  </a:xfrm>
+                  <a:prstGeom prst="rect">
+                    <a:avLst/>
+                  </a:prstGeom>
+                  <a:blipFill>
+                    <a:blip r:embed="rId3"/>
+                    <a:stretch>
+                      <a:fillRect/>
+                    </a:stretch>
+                  </a:blipFill>
+                </p:spPr>
+                <p:txBody>
+                  <a:bodyPr/>
+                  <a:lstStyle/>
+                  <a:p>
+                    <a:r>
+                      <a:rPr lang="LID4096">
+                        <a:noFill/>
+                      </a:rPr>
+                      <a:t> </a:t>
+                    </a:r>
+                  </a:p>
+                </p:txBody>
+              </p:sp>
+            </mc:Fallback>
+          </mc:AlternateContent>
+          <p:cxnSp>
+            <p:nvCxnSpPr>
+              <p:cNvPr id="28" name="Straight Arrow Connector 27">
+                <a:extLst>
+                  <a:ext uri="{FF2B5EF4-FFF2-40B4-BE49-F238E27FC236}">
+                    <a16:creationId xmlns:a16="http://schemas.microsoft.com/office/drawing/2014/main" id="{25E78A43-CAD9-C831-8637-383C46CE98D3}"/>
+                  </a:ext>
+                </a:extLst>
+              </p:cNvPr>
+              <p:cNvCxnSpPr>
+                <a:cxnSpLocks/>
+              </p:cNvCxnSpPr>
+              <p:nvPr/>
+            </p:nvCxnSpPr>
+            <p:spPr>
+              <a:xfrm flipH="1">
+                <a:off x="6489750" y="2670072"/>
+                <a:ext cx="692727" cy="0"/>
+              </a:xfrm>
+              <a:prstGeom prst="straightConnector1">
+                <a:avLst/>
+              </a:prstGeom>
+              <a:ln>
+                <a:tailEnd type="triangle"/>
+              </a:ln>
+            </p:spPr>
+            <p:style>
+              <a:lnRef idx="2">
+                <a:schemeClr val="accent1"/>
+              </a:lnRef>
+              <a:fillRef idx="0">
+                <a:schemeClr val="accent1"/>
+              </a:fillRef>
+              <a:effectRef idx="1">
+                <a:schemeClr val="accent1"/>
+              </a:effectRef>
+              <a:fontRef idx="minor">
+                <a:schemeClr val="tx1"/>
+              </a:fontRef>
+            </p:style>
+          </p:cxnSp>
+          <p:cxnSp>
+            <p:nvCxnSpPr>
+              <p:cNvPr id="30" name="Straight Arrow Connector 29">
+                <a:extLst>
+                  <a:ext uri="{FF2B5EF4-FFF2-40B4-BE49-F238E27FC236}">
+                    <a16:creationId xmlns:a16="http://schemas.microsoft.com/office/drawing/2014/main" id="{7625CBF0-AD15-2D0A-B06E-F64AFC02CC96}"/>
+                  </a:ext>
+                </a:extLst>
+              </p:cNvPr>
+              <p:cNvCxnSpPr>
+                <a:cxnSpLocks/>
+              </p:cNvCxnSpPr>
+              <p:nvPr/>
+            </p:nvCxnSpPr>
+            <p:spPr>
+              <a:xfrm>
+                <a:off x="6516066" y="2767054"/>
+                <a:ext cx="692727" cy="0"/>
+              </a:xfrm>
+              <a:prstGeom prst="straightConnector1">
+                <a:avLst/>
+              </a:prstGeom>
+              <a:ln>
+                <a:tailEnd type="triangle"/>
+              </a:ln>
+            </p:spPr>
+            <p:style>
+              <a:lnRef idx="2">
+                <a:schemeClr val="accent1"/>
+              </a:lnRef>
+              <a:fillRef idx="0">
+                <a:schemeClr val="accent1"/>
+              </a:fillRef>
+              <a:effectRef idx="1">
+                <a:schemeClr val="accent1"/>
+              </a:effectRef>
+              <a:fontRef idx="minor">
+                <a:schemeClr val="tx1"/>
+              </a:fontRef>
+            </p:style>
+          </p:cxnSp>
+        </p:grpSp>
+        <p:cxnSp>
+          <p:nvCxnSpPr>
+            <p:cNvPr id="33" name="Straight Arrow Connector 32">
+              <a:extLst>
+                <a:ext uri="{FF2B5EF4-FFF2-40B4-BE49-F238E27FC236}">
+                  <a16:creationId xmlns:a16="http://schemas.microsoft.com/office/drawing/2014/main" id="{076E6551-D76A-59C8-1387-BEE2B831BE41}"/>
+                </a:ext>
+              </a:extLst>
+            </p:cNvPr>
+            <p:cNvCxnSpPr>
+              <a:cxnSpLocks/>
+              <a:stCxn id="18" idx="2"/>
+            </p:cNvCxnSpPr>
+            <p:nvPr/>
+          </p:nvCxnSpPr>
+          <p:spPr>
+            <a:xfrm flipH="1">
+              <a:off x="6369406" y="1338058"/>
+              <a:ext cx="12051" cy="306043"/>
+            </a:xfrm>
+            <a:prstGeom prst="straightConnector1">
+              <a:avLst/>
+            </a:prstGeom>
+            <a:ln>
+              <a:tailEnd type="triangle"/>
+            </a:ln>
+          </p:spPr>
+          <p:style>
+            <a:lnRef idx="2">
+              <a:schemeClr val="dk1"/>
+            </a:lnRef>
+            <a:fillRef idx="0">
+              <a:schemeClr val="dk1"/>
+            </a:fillRef>
+            <a:effectRef idx="1">
+              <a:schemeClr val="dk1"/>
+            </a:effectRef>
+            <a:fontRef idx="minor">
+              <a:schemeClr val="tx1"/>
+            </a:fontRef>
+          </p:style>
+        </p:cxnSp>
+        <p:sp>
+          <p:nvSpPr>
+            <p:cNvPr id="35" name="TextBox 34">
+              <a:extLst>
+                <a:ext uri="{FF2B5EF4-FFF2-40B4-BE49-F238E27FC236}">
+                  <a16:creationId xmlns:a16="http://schemas.microsoft.com/office/drawing/2014/main" id="{A861FD39-80FF-F24E-303A-D37F40D95D7E}"/>
+                </a:ext>
+              </a:extLst>
+            </p:cNvPr>
+            <p:cNvSpPr txBox="1"/>
+            <p:nvPr/>
+          </p:nvSpPr>
+          <p:spPr>
+            <a:xfrm>
+              <a:off x="5699351" y="1937304"/>
+              <a:ext cx="263214" cy="307777"/>
+            </a:xfrm>
+            <a:prstGeom prst="rect">
+              <a:avLst/>
+            </a:prstGeom>
+            <a:noFill/>
+          </p:spPr>
+          <p:txBody>
+            <a:bodyPr wrap="none" rtlCol="0">
+              <a:spAutoFit/>
+            </a:bodyPr>
+            <a:lstStyle/>
+            <a:p>
+              <a:r>
+                <a:rPr lang="en-US" altLang="zh-CN" sz="1400" dirty="0"/>
+                <a:t>z</a:t>
+              </a:r>
+              <a:endParaRPr lang="LID4096" sz="1400" dirty="0"/>
+            </a:p>
+          </p:txBody>
+        </p:sp>
+        <p:sp>
+          <p:nvSpPr>
+            <p:cNvPr id="36" name="TextBox 35">
+              <a:extLst>
+                <a:ext uri="{FF2B5EF4-FFF2-40B4-BE49-F238E27FC236}">
+                  <a16:creationId xmlns:a16="http://schemas.microsoft.com/office/drawing/2014/main" id="{A8B7C713-97DF-A5C6-C420-EE99D1891FB4}"/>
+                </a:ext>
+              </a:extLst>
+            </p:cNvPr>
+            <p:cNvSpPr txBox="1"/>
+            <p:nvPr/>
+          </p:nvSpPr>
+          <p:spPr>
+            <a:xfrm>
+              <a:off x="2684155" y="4150471"/>
+              <a:ext cx="2439066" cy="276999"/>
+            </a:xfrm>
+            <a:prstGeom prst="rect">
+              <a:avLst/>
+            </a:prstGeom>
+            <a:noFill/>
+          </p:spPr>
+          <p:txBody>
+            <a:bodyPr wrap="none" rtlCol="0">
+              <a:spAutoFit/>
+            </a:bodyPr>
+            <a:lstStyle/>
+            <a:p>
+              <a:r>
+                <a:rPr lang="en-US" sz="1200" dirty="0"/>
+                <a:t>To detector (0.93, 1.47 and 1.94m)</a:t>
+              </a:r>
+              <a:endParaRPr lang="LID4096" sz="1200" dirty="0"/>
+            </a:p>
+          </p:txBody>
+        </p:sp>
+      </p:grpSp>
+      <p:pic>
+        <p:nvPicPr>
+          <p:cNvPr id="38" name="Picture 37">
+            <a:extLst>
+              <a:ext uri="{FF2B5EF4-FFF2-40B4-BE49-F238E27FC236}">
+                <a16:creationId xmlns:a16="http://schemas.microsoft.com/office/drawing/2014/main" id="{B99E9AD7-FB9D-D23A-BA88-E03578E0C895}"/>
+              </a:ext>
+            </a:extLst>
+          </p:cNvPr>
+          <p:cNvPicPr>
+            <a:picLocks noChangeAspect="1"/>
+          </p:cNvPicPr>
+          <p:nvPr/>
+        </p:nvPicPr>
+        <p:blipFill>
+          <a:blip r:embed="rId4"/>
+          <a:stretch>
+            <a:fillRect/>
+          </a:stretch>
+        </p:blipFill>
+        <p:spPr>
+          <a:xfrm>
+            <a:off x="6683072" y="2121030"/>
+            <a:ext cx="5108891" cy="3706689"/>
+          </a:xfrm>
+          <a:prstGeom prst="rect">
+            <a:avLst/>
+          </a:prstGeom>
+        </p:spPr>
+      </p:pic>
+    </p:spTree>
+    <p:extLst>
+      <p:ext uri="{BB962C8B-B14F-4D97-AF65-F5344CB8AC3E}">
+        <p14:creationId xmlns:p14="http://schemas.microsoft.com/office/powerpoint/2010/main" val="24763966"/>
+      </p:ext>
+    </p:extLst>
+  </p:cSld>
+  <p:clrMapOvr>
+    <a:masterClrMapping/>
+  </p:clrMapOvr>
+</p:sld>
+</file>
+
+<file path=ppt/slides/slide3.xml><?xml version="1.0" encoding="utf-8"?>
+<p:sld xmlns:a="http://schemas.openxmlformats.org/drawingml/2006/main" xmlns:r="http://schemas.openxmlformats.org/officeDocument/2006/relationships" xmlns:p="http://schemas.openxmlformats.org/presentationml/2006/main">
+  <p:cSld>
+    <p:spTree>
+      <p:nvGrpSpPr>
+        <p:cNvPr id="1" name=""/>
+        <p:cNvGrpSpPr/>
+        <p:nvPr/>
+      </p:nvGrpSpPr>
+      <p:grpSpPr>
+        <a:xfrm>
+          <a:off x="0" y="0"/>
+          <a:ext cx="0" cy="0"/>
+          <a:chOff x="0" y="0"/>
+          <a:chExt cx="0" cy="0"/>
+        </a:xfrm>
+      </p:grpSpPr>
+      <p:grpSp>
+        <p:nvGrpSpPr>
+          <p:cNvPr id="29" name="Group 28">
+            <a:extLst>
+              <a:ext uri="{FF2B5EF4-FFF2-40B4-BE49-F238E27FC236}">
+                <a16:creationId xmlns:a16="http://schemas.microsoft.com/office/drawing/2014/main" id="{A9E27D48-6C78-3A67-691E-B2D2816038DB}"/>
+              </a:ext>
+            </a:extLst>
+          </p:cNvPr>
+          <p:cNvGrpSpPr/>
+          <p:nvPr/>
+        </p:nvGrpSpPr>
+        <p:grpSpPr>
+          <a:xfrm>
+            <a:off x="3981864" y="1445516"/>
+            <a:ext cx="4781550" cy="1878330"/>
+            <a:chOff x="3835096" y="1334198"/>
+            <a:chExt cx="4781550" cy="1878330"/>
+          </a:xfrm>
+        </p:grpSpPr>
+        <p:pic>
+          <p:nvPicPr>
+            <p:cNvPr id="8" name="Picture 7" descr="A diagram of a graph&#10;&#10;Description automatically generated with medium confidence">
+              <a:extLst>
+                <a:ext uri="{FF2B5EF4-FFF2-40B4-BE49-F238E27FC236}">
+                  <a16:creationId xmlns:a16="http://schemas.microsoft.com/office/drawing/2014/main" id="{CBCA2173-07AD-2B5C-5EF6-80CF82A38AEC}"/>
+                </a:ext>
+              </a:extLst>
+            </p:cNvPr>
+            <p:cNvPicPr>
+              <a:picLocks noChangeAspect="1"/>
+            </p:cNvPicPr>
+            <p:nvPr/>
+          </p:nvPicPr>
+          <p:blipFill>
+            <a:blip r:embed="rId2"/>
+            <a:stretch>
+              <a:fillRect/>
+            </a:stretch>
+          </p:blipFill>
+          <p:spPr>
+            <a:xfrm>
+              <a:off x="3835096" y="1334198"/>
+              <a:ext cx="4781550" cy="1878330"/>
+            </a:xfrm>
+            <a:prstGeom prst="rect">
+              <a:avLst/>
+            </a:prstGeom>
+          </p:spPr>
+        </p:pic>
+        <p:grpSp>
+          <p:nvGrpSpPr>
+            <p:cNvPr id="18" name="Group 17">
+              <a:extLst>
+                <a:ext uri="{FF2B5EF4-FFF2-40B4-BE49-F238E27FC236}">
+                  <a16:creationId xmlns:a16="http://schemas.microsoft.com/office/drawing/2014/main" id="{F811DCF4-CEC7-B5AE-1066-54AB8DF014D4}"/>
+                </a:ext>
+              </a:extLst>
+            </p:cNvPr>
+            <p:cNvGrpSpPr/>
+            <p:nvPr/>
+          </p:nvGrpSpPr>
+          <p:grpSpPr>
+            <a:xfrm>
+              <a:off x="4509695" y="2525627"/>
+              <a:ext cx="3927316" cy="226922"/>
+              <a:chOff x="4509695" y="2525627"/>
+              <a:chExt cx="3927316" cy="226922"/>
+            </a:xfrm>
+          </p:grpSpPr>
+          <p:sp>
+            <p:nvSpPr>
+              <p:cNvPr id="11" name="Text Box 2">
+                <a:extLst>
+                  <a:ext uri="{FF2B5EF4-FFF2-40B4-BE49-F238E27FC236}">
+                    <a16:creationId xmlns:a16="http://schemas.microsoft.com/office/drawing/2014/main" id="{C837A0B6-B912-C4A9-DEB8-B29A26C5A710}"/>
+                  </a:ext>
+                </a:extLst>
+              </p:cNvPr>
+              <p:cNvSpPr txBox="1">
+                <a:spLocks noChangeArrowheads="1"/>
+              </p:cNvSpPr>
+              <p:nvPr/>
+            </p:nvSpPr>
+            <p:spPr bwMode="auto">
+              <a:xfrm>
+                <a:off x="5468510" y="2525627"/>
+                <a:ext cx="543560" cy="226922"/>
+              </a:xfrm>
+              <a:prstGeom prst="rect">
+                <a:avLst/>
+              </a:prstGeom>
+              <a:noFill/>
+              <a:ln w="9525">
+                <a:noFill/>
+                <a:miter lim="800000"/>
+                <a:headEnd/>
+                <a:tailEnd/>
+              </a:ln>
+            </p:spPr>
+            <p:txBody>
+              <a:bodyPr rot="0" vert="horz" wrap="square" lIns="91440" tIns="45720" rIns="91440" bIns="45720" anchor="t" anchorCtr="0">
+                <a:spAutoFit/>
+              </a:bodyPr>
+              <a:lstStyle/>
+              <a:p>
+                <a:pPr marL="0" marR="0" algn="ctr">
+                  <a:lnSpc>
+                    <a:spcPct val="115000"/>
+                  </a:lnSpc>
+                  <a:spcBef>
+                    <a:spcPts val="0"/>
+                  </a:spcBef>
+                  <a:spcAft>
+                    <a:spcPts val="800"/>
+                  </a:spcAft>
+                </a:pPr>
+                <a:r>
+                  <a:rPr lang="en-GB" sz="800" b="1" kern="100" dirty="0">
+                    <a:effectLst/>
+                    <a:latin typeface="Aptos" panose="020B0004020202020204" pitchFamily="34" charset="0"/>
+                    <a:ea typeface="DengXian" panose="02010600030101010101" pitchFamily="2" charset="-122"/>
+                    <a:cs typeface="Times New Roman" panose="02020603050405020304" pitchFamily="18" charset="0"/>
+                  </a:rPr>
+                  <a:t>11.052</a:t>
+                </a:r>
+                <a:endParaRPr sz="1400" b="1" kern="100" dirty="0">
+                  <a:effectLst/>
+                  <a:latin typeface="Aptos" panose="020B0004020202020204" pitchFamily="34" charset="0"/>
+                  <a:ea typeface="DengXian" panose="02010600030101010101" pitchFamily="2" charset="-122"/>
+                  <a:cs typeface="Times New Roman" panose="02020603050405020304" pitchFamily="18" charset="0"/>
+                </a:endParaRPr>
+              </a:p>
+            </p:txBody>
+          </p:sp>
+          <p:sp>
+            <p:nvSpPr>
+              <p:cNvPr id="12" name="Text Box 2">
+                <a:extLst>
+                  <a:ext uri="{FF2B5EF4-FFF2-40B4-BE49-F238E27FC236}">
+                    <a16:creationId xmlns:a16="http://schemas.microsoft.com/office/drawing/2014/main" id="{C6FBDD2F-2400-4026-2159-1E6C0E0AC9E2}"/>
+                  </a:ext>
+                </a:extLst>
+              </p:cNvPr>
+              <p:cNvSpPr txBox="1">
+                <a:spLocks noChangeArrowheads="1"/>
+              </p:cNvSpPr>
+              <p:nvPr/>
+            </p:nvSpPr>
+            <p:spPr bwMode="auto">
+              <a:xfrm>
+                <a:off x="7893451" y="2525627"/>
+                <a:ext cx="543560" cy="226922"/>
+              </a:xfrm>
+              <a:prstGeom prst="rect">
+                <a:avLst/>
+              </a:prstGeom>
+              <a:noFill/>
+              <a:ln w="9525">
+                <a:noFill/>
+                <a:miter lim="800000"/>
+                <a:headEnd/>
+                <a:tailEnd/>
+              </a:ln>
+            </p:spPr>
+            <p:txBody>
+              <a:bodyPr rot="0" vert="horz" wrap="square" lIns="91440" tIns="45720" rIns="91440" bIns="45720" anchor="t" anchorCtr="0">
+                <a:spAutoFit/>
+              </a:bodyPr>
+              <a:lstStyle/>
+              <a:p>
+                <a:pPr marL="0" marR="0" algn="ctr">
+                  <a:lnSpc>
+                    <a:spcPct val="115000"/>
+                  </a:lnSpc>
+                  <a:spcBef>
+                    <a:spcPts val="0"/>
+                  </a:spcBef>
+                  <a:spcAft>
+                    <a:spcPts val="800"/>
+                  </a:spcAft>
+                </a:pPr>
+                <a:r>
+                  <a:rPr lang="en-GB" sz="800" b="1" kern="100">
+                    <a:effectLst/>
+                    <a:latin typeface="Aptos" panose="020B0004020202020204" pitchFamily="34" charset="0"/>
+                    <a:ea typeface="DengXian" panose="02010600030101010101" pitchFamily="2" charset="-122"/>
+                    <a:cs typeface="Times New Roman" panose="02020603050405020304" pitchFamily="18" charset="0"/>
+                  </a:rPr>
+                  <a:t>5</a:t>
+                </a:r>
+                <a:endParaRPr sz="1400" b="1" kern="100">
+                  <a:effectLst/>
+                  <a:latin typeface="Aptos" panose="020B0004020202020204" pitchFamily="34" charset="0"/>
+                  <a:ea typeface="DengXian" panose="02010600030101010101" pitchFamily="2" charset="-122"/>
+                  <a:cs typeface="Times New Roman" panose="02020603050405020304" pitchFamily="18" charset="0"/>
+                </a:endParaRPr>
+              </a:p>
+            </p:txBody>
+          </p:sp>
+          <p:grpSp>
+            <p:nvGrpSpPr>
+              <p:cNvPr id="15" name="Group 14">
+                <a:extLst>
+                  <a:ext uri="{FF2B5EF4-FFF2-40B4-BE49-F238E27FC236}">
+                    <a16:creationId xmlns:a16="http://schemas.microsoft.com/office/drawing/2014/main" id="{FBC66AAA-5C98-8AB6-513D-7C83843062E5}"/>
+                  </a:ext>
+                </a:extLst>
+              </p:cNvPr>
+              <p:cNvGrpSpPr/>
+              <p:nvPr/>
+            </p:nvGrpSpPr>
+            <p:grpSpPr>
+              <a:xfrm>
+                <a:off x="4509695" y="2554910"/>
+                <a:ext cx="3404870" cy="10795"/>
+                <a:chOff x="4509695" y="2602616"/>
+                <a:chExt cx="3404870" cy="10795"/>
+              </a:xfrm>
+            </p:grpSpPr>
+            <p:cxnSp>
+              <p:nvCxnSpPr>
+                <p:cNvPr id="9" name="Straight Arrow Connector 8">
+                  <a:extLst>
+                    <a:ext uri="{FF2B5EF4-FFF2-40B4-BE49-F238E27FC236}">
+                      <a16:creationId xmlns:a16="http://schemas.microsoft.com/office/drawing/2014/main" id="{AFB55D30-D467-568E-7E7B-2BC52EFFA55F}"/>
+                    </a:ext>
+                  </a:extLst>
+                </p:cNvPr>
+                <p:cNvCxnSpPr>
+                  <a:cxnSpLocks/>
+                </p:cNvCxnSpPr>
+                <p:nvPr/>
+              </p:nvCxnSpPr>
+              <p:spPr>
+                <a:xfrm flipV="1">
+                  <a:off x="4509695" y="2602616"/>
+                  <a:ext cx="717550" cy="10795"/>
+                </a:xfrm>
+                <a:prstGeom prst="straightConnector1">
+                  <a:avLst/>
+                </a:prstGeom>
+                <a:ln w="9525">
+                  <a:solidFill>
+                    <a:schemeClr val="tx1"/>
+                  </a:solidFill>
+                  <a:prstDash val="solid"/>
+                  <a:headEnd type="triangle" w="sm" len="med"/>
+                  <a:tailEnd type="triangle" w="sm" len="med"/>
+                </a:ln>
+              </p:spPr>
+              <p:style>
+                <a:lnRef idx="1">
+                  <a:schemeClr val="accent1"/>
+                </a:lnRef>
+                <a:fillRef idx="0">
+                  <a:schemeClr val="accent1"/>
+                </a:fillRef>
+                <a:effectRef idx="0">
+                  <a:schemeClr val="accent1"/>
+                </a:effectRef>
+                <a:fontRef idx="minor">
+                  <a:schemeClr val="tx1"/>
+                </a:fontRef>
+              </p:style>
+            </p:cxnSp>
+            <p:cxnSp>
+              <p:nvCxnSpPr>
+                <p:cNvPr id="10" name="Straight Arrow Connector 9">
+                  <a:extLst>
+                    <a:ext uri="{FF2B5EF4-FFF2-40B4-BE49-F238E27FC236}">
+                      <a16:creationId xmlns:a16="http://schemas.microsoft.com/office/drawing/2014/main" id="{605994BF-DB26-2D6F-3267-D2C82C143977}"/>
+                    </a:ext>
+                  </a:extLst>
+                </p:cNvPr>
+                <p:cNvCxnSpPr>
+                  <a:cxnSpLocks/>
+                </p:cNvCxnSpPr>
+                <p:nvPr/>
+              </p:nvCxnSpPr>
+              <p:spPr>
+                <a:xfrm flipV="1">
+                  <a:off x="6163235" y="2608013"/>
+                  <a:ext cx="1751330" cy="0"/>
+                </a:xfrm>
+                <a:prstGeom prst="straightConnector1">
+                  <a:avLst/>
+                </a:prstGeom>
+                <a:ln w="9525">
+                  <a:solidFill>
+                    <a:schemeClr val="tx1"/>
+                  </a:solidFill>
+                  <a:prstDash val="solid"/>
+                  <a:headEnd type="triangle" w="sm" len="med"/>
+                  <a:tailEnd type="triangle" w="sm" len="med"/>
+                </a:ln>
+              </p:spPr>
+              <p:style>
+                <a:lnRef idx="1">
+                  <a:schemeClr val="accent1"/>
+                </a:lnRef>
+                <a:fillRef idx="0">
+                  <a:schemeClr val="accent1"/>
+                </a:fillRef>
+                <a:effectRef idx="0">
+                  <a:schemeClr val="accent1"/>
+                </a:effectRef>
+                <a:fontRef idx="minor">
+                  <a:schemeClr val="tx1"/>
+                </a:fontRef>
+              </p:style>
+            </p:cxnSp>
+            <p:cxnSp>
+              <p:nvCxnSpPr>
+                <p:cNvPr id="13" name="Straight Arrow Connector 12">
+                  <a:extLst>
+                    <a:ext uri="{FF2B5EF4-FFF2-40B4-BE49-F238E27FC236}">
+                      <a16:creationId xmlns:a16="http://schemas.microsoft.com/office/drawing/2014/main" id="{5BC7A288-27DC-F423-6BF0-10807DF30D4A}"/>
+                    </a:ext>
+                  </a:extLst>
+                </p:cNvPr>
+                <p:cNvCxnSpPr>
+                  <a:cxnSpLocks/>
+                </p:cNvCxnSpPr>
+                <p:nvPr/>
+              </p:nvCxnSpPr>
+              <p:spPr>
+                <a:xfrm flipV="1">
+                  <a:off x="5276140" y="2608013"/>
+                  <a:ext cx="887095" cy="0"/>
+                </a:xfrm>
+                <a:prstGeom prst="straightConnector1">
+                  <a:avLst/>
+                </a:prstGeom>
+                <a:ln w="9525">
+                  <a:solidFill>
+                    <a:schemeClr val="tx1"/>
+                  </a:solidFill>
+                  <a:prstDash val="solid"/>
+                  <a:headEnd type="triangle" w="sm" len="med"/>
+                  <a:tailEnd type="triangle" w="sm" len="med"/>
+                </a:ln>
+              </p:spPr>
+              <p:style>
+                <a:lnRef idx="1">
+                  <a:schemeClr val="accent1"/>
+                </a:lnRef>
+                <a:fillRef idx="0">
+                  <a:schemeClr val="accent1"/>
+                </a:fillRef>
+                <a:effectRef idx="0">
+                  <a:schemeClr val="accent1"/>
+                </a:effectRef>
+                <a:fontRef idx="minor">
+                  <a:schemeClr val="tx1"/>
+                </a:fontRef>
+              </p:style>
+            </p:cxnSp>
+          </p:grpSp>
+          <p:sp>
+            <p:nvSpPr>
+              <p:cNvPr id="14" name="Text Box 2">
+                <a:extLst>
+                  <a:ext uri="{FF2B5EF4-FFF2-40B4-BE49-F238E27FC236}">
+                    <a16:creationId xmlns:a16="http://schemas.microsoft.com/office/drawing/2014/main" id="{C7715574-A117-B34E-2C0F-C14979E4D37B}"/>
+                  </a:ext>
+                </a:extLst>
+              </p:cNvPr>
+              <p:cNvSpPr txBox="1">
+                <a:spLocks noChangeArrowheads="1"/>
+              </p:cNvSpPr>
+              <p:nvPr/>
+            </p:nvSpPr>
+            <p:spPr bwMode="auto">
+              <a:xfrm>
+                <a:off x="6790443" y="2525627"/>
+                <a:ext cx="543560" cy="226922"/>
+              </a:xfrm>
+              <a:prstGeom prst="rect">
+                <a:avLst/>
+              </a:prstGeom>
+              <a:noFill/>
+              <a:ln w="9525">
+                <a:noFill/>
+                <a:miter lim="800000"/>
+                <a:headEnd/>
+                <a:tailEnd/>
+              </a:ln>
+            </p:spPr>
+            <p:txBody>
+              <a:bodyPr rot="0" vert="horz" wrap="square" lIns="91440" tIns="45720" rIns="91440" bIns="45720" anchor="t" anchorCtr="0">
+                <a:spAutoFit/>
+              </a:bodyPr>
+              <a:lstStyle/>
+              <a:p>
+                <a:pPr marL="0" marR="0" algn="ctr">
+                  <a:lnSpc>
+                    <a:spcPct val="115000"/>
+                  </a:lnSpc>
+                  <a:spcBef>
+                    <a:spcPts val="0"/>
+                  </a:spcBef>
+                  <a:spcAft>
+                    <a:spcPts val="800"/>
+                  </a:spcAft>
+                </a:pPr>
+                <a:r>
+                  <a:rPr lang="en-GB" sz="800" b="1" kern="100" dirty="0">
+                    <a:effectLst/>
+                    <a:latin typeface="Aptos" panose="020B0004020202020204" pitchFamily="34" charset="0"/>
+                    <a:ea typeface="DengXian" panose="02010600030101010101" pitchFamily="2" charset="-122"/>
+                    <a:cs typeface="Times New Roman" panose="02020603050405020304" pitchFamily="18" charset="0"/>
+                  </a:rPr>
+                  <a:t>21.21</a:t>
+                </a:r>
+                <a:endParaRPr sz="1400" b="1" kern="100" dirty="0">
+                  <a:effectLst/>
+                  <a:latin typeface="Aptos" panose="020B0004020202020204" pitchFamily="34" charset="0"/>
+                  <a:ea typeface="DengXian" panose="02010600030101010101" pitchFamily="2" charset="-122"/>
+                  <a:cs typeface="Times New Roman" panose="02020603050405020304" pitchFamily="18" charset="0"/>
+                </a:endParaRPr>
+              </a:p>
+            </p:txBody>
+          </p:sp>
+          <p:cxnSp>
+            <p:nvCxnSpPr>
+              <p:cNvPr id="16" name="Straight Arrow Connector 15">
+                <a:extLst>
+                  <a:ext uri="{FF2B5EF4-FFF2-40B4-BE49-F238E27FC236}">
+                    <a16:creationId xmlns:a16="http://schemas.microsoft.com/office/drawing/2014/main" id="{E7090675-0F82-EEEA-F758-D06762585854}"/>
+                  </a:ext>
+                </a:extLst>
+              </p:cNvPr>
+              <p:cNvCxnSpPr>
+                <a:cxnSpLocks/>
+              </p:cNvCxnSpPr>
+              <p:nvPr/>
+            </p:nvCxnSpPr>
+            <p:spPr>
+              <a:xfrm flipV="1">
+                <a:off x="7955046" y="2560307"/>
+                <a:ext cx="420370" cy="0"/>
+              </a:xfrm>
+              <a:prstGeom prst="straightConnector1">
+                <a:avLst/>
+              </a:prstGeom>
+              <a:ln w="9525">
+                <a:solidFill>
+                  <a:schemeClr val="tx1"/>
+                </a:solidFill>
+                <a:prstDash val="solid"/>
+                <a:headEnd type="triangle" w="sm" len="med"/>
+                <a:tailEnd type="triangle" w="sm" len="med"/>
+              </a:ln>
+            </p:spPr>
+            <p:style>
+              <a:lnRef idx="1">
+                <a:schemeClr val="accent1"/>
+              </a:lnRef>
+              <a:fillRef idx="0">
+                <a:schemeClr val="accent1"/>
+              </a:fillRef>
+              <a:effectRef idx="0">
+                <a:schemeClr val="accent1"/>
+              </a:effectRef>
+              <a:fontRef idx="minor">
+                <a:schemeClr val="tx1"/>
+              </a:fontRef>
+            </p:style>
+          </p:cxnSp>
+          <p:sp>
+            <p:nvSpPr>
+              <p:cNvPr id="17" name="Text Box 2">
+                <a:extLst>
+                  <a:ext uri="{FF2B5EF4-FFF2-40B4-BE49-F238E27FC236}">
+                    <a16:creationId xmlns:a16="http://schemas.microsoft.com/office/drawing/2014/main" id="{09CFC342-BCF9-35D8-429C-DCB7F4845992}"/>
+                  </a:ext>
+                </a:extLst>
+              </p:cNvPr>
+              <p:cNvSpPr txBox="1">
+                <a:spLocks noChangeArrowheads="1"/>
+              </p:cNvSpPr>
+              <p:nvPr/>
+            </p:nvSpPr>
+            <p:spPr bwMode="auto">
+              <a:xfrm>
+                <a:off x="4609984" y="2525627"/>
+                <a:ext cx="543560" cy="226922"/>
+              </a:xfrm>
+              <a:prstGeom prst="rect">
+                <a:avLst/>
+              </a:prstGeom>
+              <a:noFill/>
+              <a:ln w="9525">
+                <a:noFill/>
+                <a:miter lim="800000"/>
+                <a:headEnd/>
+                <a:tailEnd/>
+              </a:ln>
+            </p:spPr>
+            <p:txBody>
+              <a:bodyPr rot="0" vert="horz" wrap="square" lIns="91440" tIns="45720" rIns="91440" bIns="45720" anchor="t" anchorCtr="0">
+                <a:spAutoFit/>
+              </a:bodyPr>
+              <a:lstStyle/>
+              <a:p>
+                <a:pPr marL="0" marR="0" algn="ctr">
+                  <a:lnSpc>
+                    <a:spcPct val="115000"/>
+                  </a:lnSpc>
+                  <a:spcBef>
+                    <a:spcPts val="0"/>
+                  </a:spcBef>
+                  <a:spcAft>
+                    <a:spcPts val="800"/>
+                  </a:spcAft>
+                </a:pPr>
+                <a:r>
+                  <a:rPr lang="en-GB" sz="800" b="1" kern="100" dirty="0">
+                    <a:effectLst/>
+                    <a:latin typeface="Aptos" panose="020B0004020202020204" pitchFamily="34" charset="0"/>
+                    <a:ea typeface="DengXian" panose="02010600030101010101" pitchFamily="2" charset="-122"/>
+                    <a:cs typeface="Times New Roman" panose="02020603050405020304" pitchFamily="18" charset="0"/>
+                  </a:rPr>
+                  <a:t>8.696</a:t>
+                </a:r>
+                <a:endParaRPr sz="1400" b="1" kern="100" dirty="0">
+                  <a:effectLst/>
+                  <a:latin typeface="Aptos" panose="020B0004020202020204" pitchFamily="34" charset="0"/>
+                  <a:ea typeface="DengXian" panose="02010600030101010101" pitchFamily="2" charset="-122"/>
+                  <a:cs typeface="Times New Roman" panose="02020603050405020304" pitchFamily="18" charset="0"/>
+                </a:endParaRPr>
+              </a:p>
+            </p:txBody>
+          </p:sp>
+        </p:grpSp>
+      </p:grpSp>
+      <p:grpSp>
+        <p:nvGrpSpPr>
+          <p:cNvPr id="31" name="Group 30">
+            <a:extLst>
+              <a:ext uri="{FF2B5EF4-FFF2-40B4-BE49-F238E27FC236}">
+                <a16:creationId xmlns:a16="http://schemas.microsoft.com/office/drawing/2014/main" id="{98EB59EB-EA16-A7DF-C581-3CE802C36162}"/>
+              </a:ext>
+            </a:extLst>
+          </p:cNvPr>
+          <p:cNvGrpSpPr/>
+          <p:nvPr/>
+        </p:nvGrpSpPr>
+        <p:grpSpPr>
+          <a:xfrm>
+            <a:off x="4022394" y="3743536"/>
+            <a:ext cx="4741020" cy="1860016"/>
+            <a:chOff x="3974686" y="3512948"/>
+            <a:chExt cx="4741020" cy="1860016"/>
+          </a:xfrm>
+        </p:grpSpPr>
+        <p:pic>
+          <p:nvPicPr>
+            <p:cNvPr id="30" name="Picture 29" descr="A graph of a line graph&#10;&#10;Description automatically generated with medium confidence">
+              <a:extLst>
+                <a:ext uri="{FF2B5EF4-FFF2-40B4-BE49-F238E27FC236}">
+                  <a16:creationId xmlns:a16="http://schemas.microsoft.com/office/drawing/2014/main" id="{C5C7AE9D-C120-309D-A095-ADE2EECDE3E9}"/>
+                </a:ext>
+              </a:extLst>
+            </p:cNvPr>
+            <p:cNvPicPr>
+              <a:picLocks noChangeAspect="1"/>
+            </p:cNvPicPr>
+            <p:nvPr/>
+          </p:nvPicPr>
+          <p:blipFill>
+            <a:blip r:embed="rId3"/>
+            <a:stretch>
+              <a:fillRect/>
+            </a:stretch>
+          </p:blipFill>
+          <p:spPr>
+            <a:xfrm>
+              <a:off x="3974686" y="3512948"/>
+              <a:ext cx="4741020" cy="1860016"/>
+            </a:xfrm>
+            <a:prstGeom prst="rect">
+              <a:avLst/>
+            </a:prstGeom>
+          </p:spPr>
+        </p:pic>
+        <p:grpSp>
+          <p:nvGrpSpPr>
+            <p:cNvPr id="19" name="Group 18">
+              <a:extLst>
+                <a:ext uri="{FF2B5EF4-FFF2-40B4-BE49-F238E27FC236}">
+                  <a16:creationId xmlns:a16="http://schemas.microsoft.com/office/drawing/2014/main" id="{04195955-EFD0-5736-5ECD-49CC7AFB9D19}"/>
+                </a:ext>
+              </a:extLst>
+            </p:cNvPr>
+            <p:cNvGrpSpPr/>
+            <p:nvPr/>
+          </p:nvGrpSpPr>
+          <p:grpSpPr>
+            <a:xfrm>
+              <a:off x="4572000" y="4852959"/>
+              <a:ext cx="3927316" cy="226922"/>
+              <a:chOff x="4509695" y="2525627"/>
+              <a:chExt cx="3927316" cy="226922"/>
+            </a:xfrm>
+          </p:grpSpPr>
+          <p:sp>
+            <p:nvSpPr>
+              <p:cNvPr id="20" name="Text Box 2">
+                <a:extLst>
+                  <a:ext uri="{FF2B5EF4-FFF2-40B4-BE49-F238E27FC236}">
+                    <a16:creationId xmlns:a16="http://schemas.microsoft.com/office/drawing/2014/main" id="{9F050775-57D3-EFBB-7F09-2044F74D6C80}"/>
+                  </a:ext>
+                </a:extLst>
+              </p:cNvPr>
+              <p:cNvSpPr txBox="1">
+                <a:spLocks noChangeArrowheads="1"/>
+              </p:cNvSpPr>
+              <p:nvPr/>
+            </p:nvSpPr>
+            <p:spPr bwMode="auto">
+              <a:xfrm>
+                <a:off x="5468510" y="2525627"/>
+                <a:ext cx="543560" cy="226922"/>
+              </a:xfrm>
+              <a:prstGeom prst="rect">
+                <a:avLst/>
+              </a:prstGeom>
+              <a:noFill/>
+              <a:ln w="9525">
+                <a:noFill/>
+                <a:miter lim="800000"/>
+                <a:headEnd/>
+                <a:tailEnd/>
+              </a:ln>
+            </p:spPr>
+            <p:txBody>
+              <a:bodyPr rot="0" vert="horz" wrap="square" lIns="91440" tIns="45720" rIns="91440" bIns="45720" anchor="t" anchorCtr="0">
+                <a:spAutoFit/>
+              </a:bodyPr>
+              <a:lstStyle/>
+              <a:p>
+                <a:pPr marL="0" marR="0" algn="ctr">
+                  <a:lnSpc>
+                    <a:spcPct val="115000"/>
+                  </a:lnSpc>
+                  <a:spcBef>
+                    <a:spcPts val="0"/>
+                  </a:spcBef>
+                  <a:spcAft>
+                    <a:spcPts val="800"/>
+                  </a:spcAft>
+                </a:pPr>
+                <a:r>
+                  <a:rPr lang="en-GB" sz="800" b="1" kern="100" dirty="0">
+                    <a:effectLst/>
+                    <a:latin typeface="Aptos" panose="020B0004020202020204" pitchFamily="34" charset="0"/>
+                    <a:ea typeface="DengXian" panose="02010600030101010101" pitchFamily="2" charset="-122"/>
+                    <a:cs typeface="Times New Roman" panose="02020603050405020304" pitchFamily="18" charset="0"/>
+                  </a:rPr>
+                  <a:t>33.155</a:t>
+                </a:r>
+                <a:endParaRPr lang="en-GB" sz="1400" b="1" kern="100" dirty="0">
+                  <a:effectLst/>
+                  <a:latin typeface="Aptos" panose="020B0004020202020204" pitchFamily="34" charset="0"/>
+                  <a:ea typeface="DengXian" panose="02010600030101010101" pitchFamily="2" charset="-122"/>
+                  <a:cs typeface="Times New Roman" panose="02020603050405020304" pitchFamily="18" charset="0"/>
+                </a:endParaRPr>
+              </a:p>
+            </p:txBody>
+          </p:sp>
+          <p:sp>
+            <p:nvSpPr>
+              <p:cNvPr id="21" name="Text Box 2">
+                <a:extLst>
+                  <a:ext uri="{FF2B5EF4-FFF2-40B4-BE49-F238E27FC236}">
+                    <a16:creationId xmlns:a16="http://schemas.microsoft.com/office/drawing/2014/main" id="{D5964B17-C4E4-E738-C3B8-87DA2D26EFFB}"/>
+                  </a:ext>
+                </a:extLst>
+              </p:cNvPr>
+              <p:cNvSpPr txBox="1">
+                <a:spLocks noChangeArrowheads="1"/>
+              </p:cNvSpPr>
+              <p:nvPr/>
+            </p:nvSpPr>
+            <p:spPr bwMode="auto">
+              <a:xfrm>
+                <a:off x="7893451" y="2525627"/>
+                <a:ext cx="543560" cy="226922"/>
+              </a:xfrm>
+              <a:prstGeom prst="rect">
+                <a:avLst/>
+              </a:prstGeom>
+              <a:noFill/>
+              <a:ln w="9525">
+                <a:noFill/>
+                <a:miter lim="800000"/>
+                <a:headEnd/>
+                <a:tailEnd/>
+              </a:ln>
+            </p:spPr>
+            <p:txBody>
+              <a:bodyPr rot="0" vert="horz" wrap="square" lIns="91440" tIns="45720" rIns="91440" bIns="45720" anchor="t" anchorCtr="0">
+                <a:spAutoFit/>
+              </a:bodyPr>
+              <a:lstStyle/>
+              <a:p>
+                <a:pPr marL="0" marR="0" algn="ctr">
+                  <a:lnSpc>
+                    <a:spcPct val="115000"/>
+                  </a:lnSpc>
+                  <a:spcBef>
+                    <a:spcPts val="0"/>
+                  </a:spcBef>
+                  <a:spcAft>
+                    <a:spcPts val="800"/>
+                  </a:spcAft>
+                </a:pPr>
+                <a:r>
+                  <a:rPr lang="en-GB" sz="800" b="1" kern="100" dirty="0">
+                    <a:latin typeface="Aptos" panose="020B0004020202020204" pitchFamily="34" charset="0"/>
+                    <a:ea typeface="DengXian" panose="02010600030101010101" pitchFamily="2" charset="-122"/>
+                    <a:cs typeface="Times New Roman" panose="02020603050405020304" pitchFamily="18" charset="0"/>
+                  </a:rPr>
+                  <a:t>15</a:t>
+                </a:r>
+                <a:endParaRPr sz="1400" b="1" kern="100" dirty="0">
+                  <a:effectLst/>
+                  <a:latin typeface="Aptos" panose="020B0004020202020204" pitchFamily="34" charset="0"/>
+                  <a:ea typeface="DengXian" panose="02010600030101010101" pitchFamily="2" charset="-122"/>
+                  <a:cs typeface="Times New Roman" panose="02020603050405020304" pitchFamily="18" charset="0"/>
+                </a:endParaRPr>
+              </a:p>
+            </p:txBody>
+          </p:sp>
+          <p:grpSp>
+            <p:nvGrpSpPr>
+              <p:cNvPr id="22" name="Group 21">
+                <a:extLst>
+                  <a:ext uri="{FF2B5EF4-FFF2-40B4-BE49-F238E27FC236}">
+                    <a16:creationId xmlns:a16="http://schemas.microsoft.com/office/drawing/2014/main" id="{52985AC8-437C-D946-38EC-6BA944E0F06B}"/>
+                  </a:ext>
+                </a:extLst>
+              </p:cNvPr>
+              <p:cNvGrpSpPr/>
+              <p:nvPr/>
+            </p:nvGrpSpPr>
+            <p:grpSpPr>
+              <a:xfrm>
+                <a:off x="4509695" y="2554910"/>
+                <a:ext cx="3404870" cy="10795"/>
+                <a:chOff x="4509695" y="2602616"/>
+                <a:chExt cx="3404870" cy="10795"/>
+              </a:xfrm>
+            </p:grpSpPr>
+            <p:cxnSp>
+              <p:nvCxnSpPr>
+                <p:cNvPr id="26" name="Straight Arrow Connector 25">
+                  <a:extLst>
+                    <a:ext uri="{FF2B5EF4-FFF2-40B4-BE49-F238E27FC236}">
+                      <a16:creationId xmlns:a16="http://schemas.microsoft.com/office/drawing/2014/main" id="{357DE9BF-4A28-8564-0CCB-E73FD94CB8BC}"/>
+                    </a:ext>
+                  </a:extLst>
+                </p:cNvPr>
+                <p:cNvCxnSpPr>
+                  <a:cxnSpLocks/>
+                </p:cNvCxnSpPr>
+                <p:nvPr/>
+              </p:nvCxnSpPr>
+              <p:spPr>
+                <a:xfrm flipV="1">
+                  <a:off x="4509695" y="2602616"/>
+                  <a:ext cx="717550" cy="10795"/>
+                </a:xfrm>
+                <a:prstGeom prst="straightConnector1">
+                  <a:avLst/>
+                </a:prstGeom>
+                <a:ln w="9525">
+                  <a:solidFill>
+                    <a:schemeClr val="tx1"/>
+                  </a:solidFill>
+                  <a:prstDash val="solid"/>
+                  <a:headEnd type="triangle" w="sm" len="med"/>
+                  <a:tailEnd type="triangle" w="sm" len="med"/>
+                </a:ln>
+              </p:spPr>
+              <p:style>
+                <a:lnRef idx="1">
+                  <a:schemeClr val="accent1"/>
+                </a:lnRef>
+                <a:fillRef idx="0">
+                  <a:schemeClr val="accent1"/>
+                </a:fillRef>
+                <a:effectRef idx="0">
+                  <a:schemeClr val="accent1"/>
+                </a:effectRef>
+                <a:fontRef idx="minor">
+                  <a:schemeClr val="tx1"/>
+                </a:fontRef>
+              </p:style>
+            </p:cxnSp>
+            <p:cxnSp>
+              <p:nvCxnSpPr>
+                <p:cNvPr id="27" name="Straight Arrow Connector 26">
+                  <a:extLst>
+                    <a:ext uri="{FF2B5EF4-FFF2-40B4-BE49-F238E27FC236}">
+                      <a16:creationId xmlns:a16="http://schemas.microsoft.com/office/drawing/2014/main" id="{FB82282F-AA07-2372-2CD9-8EECD50133BA}"/>
+                    </a:ext>
+                  </a:extLst>
+                </p:cNvPr>
+                <p:cNvCxnSpPr>
+                  <a:cxnSpLocks/>
+                </p:cNvCxnSpPr>
+                <p:nvPr/>
+              </p:nvCxnSpPr>
+              <p:spPr>
+                <a:xfrm flipV="1">
+                  <a:off x="6163235" y="2608013"/>
+                  <a:ext cx="1751330" cy="0"/>
+                </a:xfrm>
+                <a:prstGeom prst="straightConnector1">
+                  <a:avLst/>
+                </a:prstGeom>
+                <a:ln w="9525">
+                  <a:solidFill>
+                    <a:schemeClr val="tx1"/>
+                  </a:solidFill>
+                  <a:prstDash val="solid"/>
+                  <a:headEnd type="triangle" w="sm" len="med"/>
+                  <a:tailEnd type="triangle" w="sm" len="med"/>
+                </a:ln>
+              </p:spPr>
+              <p:style>
+                <a:lnRef idx="1">
+                  <a:schemeClr val="accent1"/>
+                </a:lnRef>
+                <a:fillRef idx="0">
+                  <a:schemeClr val="accent1"/>
+                </a:fillRef>
+                <a:effectRef idx="0">
+                  <a:schemeClr val="accent1"/>
+                </a:effectRef>
+                <a:fontRef idx="minor">
+                  <a:schemeClr val="tx1"/>
+                </a:fontRef>
+              </p:style>
+            </p:cxnSp>
+            <p:cxnSp>
+              <p:nvCxnSpPr>
+                <p:cNvPr id="28" name="Straight Arrow Connector 27">
+                  <a:extLst>
+                    <a:ext uri="{FF2B5EF4-FFF2-40B4-BE49-F238E27FC236}">
+                      <a16:creationId xmlns:a16="http://schemas.microsoft.com/office/drawing/2014/main" id="{B9809888-B165-D8D2-CCB6-454F732FBF66}"/>
+                    </a:ext>
+                  </a:extLst>
+                </p:cNvPr>
+                <p:cNvCxnSpPr>
+                  <a:cxnSpLocks/>
+                </p:cNvCxnSpPr>
+                <p:nvPr/>
+              </p:nvCxnSpPr>
+              <p:spPr>
+                <a:xfrm flipV="1">
+                  <a:off x="5276140" y="2608013"/>
+                  <a:ext cx="887095" cy="0"/>
+                </a:xfrm>
+                <a:prstGeom prst="straightConnector1">
+                  <a:avLst/>
+                </a:prstGeom>
+                <a:ln w="9525">
+                  <a:solidFill>
+                    <a:schemeClr val="tx1"/>
+                  </a:solidFill>
+                  <a:prstDash val="solid"/>
+                  <a:headEnd type="triangle" w="sm" len="med"/>
+                  <a:tailEnd type="triangle" w="sm" len="med"/>
+                </a:ln>
+              </p:spPr>
+              <p:style>
+                <a:lnRef idx="1">
+                  <a:schemeClr val="accent1"/>
+                </a:lnRef>
+                <a:fillRef idx="0">
+                  <a:schemeClr val="accent1"/>
+                </a:fillRef>
+                <a:effectRef idx="0">
+                  <a:schemeClr val="accent1"/>
+                </a:effectRef>
+                <a:fontRef idx="minor">
+                  <a:schemeClr val="tx1"/>
+                </a:fontRef>
+              </p:style>
+            </p:cxnSp>
+          </p:grpSp>
+          <p:sp>
+            <p:nvSpPr>
+              <p:cNvPr id="23" name="Text Box 2">
+                <a:extLst>
+                  <a:ext uri="{FF2B5EF4-FFF2-40B4-BE49-F238E27FC236}">
+                    <a16:creationId xmlns:a16="http://schemas.microsoft.com/office/drawing/2014/main" id="{7BA9B11F-800D-5F5C-5B96-5F66F6A4CB31}"/>
+                  </a:ext>
+                </a:extLst>
+              </p:cNvPr>
+              <p:cNvSpPr txBox="1">
+                <a:spLocks noChangeArrowheads="1"/>
+              </p:cNvSpPr>
+              <p:nvPr/>
+            </p:nvSpPr>
+            <p:spPr bwMode="auto">
+              <a:xfrm>
+                <a:off x="6790443" y="2525627"/>
+                <a:ext cx="543560" cy="226922"/>
+              </a:xfrm>
+              <a:prstGeom prst="rect">
+                <a:avLst/>
+              </a:prstGeom>
+              <a:noFill/>
+              <a:ln w="9525">
+                <a:noFill/>
+                <a:miter lim="800000"/>
+                <a:headEnd/>
+                <a:tailEnd/>
+              </a:ln>
+            </p:spPr>
+            <p:txBody>
+              <a:bodyPr rot="0" vert="horz" wrap="square" lIns="91440" tIns="45720" rIns="91440" bIns="45720" anchor="t" anchorCtr="0">
+                <a:spAutoFit/>
+              </a:bodyPr>
+              <a:lstStyle/>
+              <a:p>
+                <a:pPr marL="0" marR="0" algn="ctr">
+                  <a:lnSpc>
+                    <a:spcPct val="115000"/>
+                  </a:lnSpc>
+                  <a:spcBef>
+                    <a:spcPts val="0"/>
+                  </a:spcBef>
+                  <a:spcAft>
+                    <a:spcPts val="800"/>
+                  </a:spcAft>
+                </a:pPr>
+                <a:r>
+                  <a:rPr lang="en-GB" sz="800" b="1" kern="100" dirty="0">
+                    <a:effectLst/>
+                    <a:latin typeface="Aptos" panose="020B0004020202020204" pitchFamily="34" charset="0"/>
+                    <a:ea typeface="DengXian" panose="02010600030101010101" pitchFamily="2" charset="-122"/>
+                    <a:cs typeface="Times New Roman" panose="02020603050405020304" pitchFamily="18" charset="0"/>
+                  </a:rPr>
+                  <a:t>63.618</a:t>
+                </a:r>
+                <a:endParaRPr lang="en-GB" sz="1400" b="1" kern="100" dirty="0">
+                  <a:effectLst/>
+                  <a:latin typeface="Aptos" panose="020B0004020202020204" pitchFamily="34" charset="0"/>
+                  <a:ea typeface="DengXian" panose="02010600030101010101" pitchFamily="2" charset="-122"/>
+                  <a:cs typeface="Times New Roman" panose="02020603050405020304" pitchFamily="18" charset="0"/>
+                </a:endParaRPr>
+              </a:p>
+            </p:txBody>
+          </p:sp>
+          <p:cxnSp>
+            <p:nvCxnSpPr>
+              <p:cNvPr id="24" name="Straight Arrow Connector 23">
+                <a:extLst>
+                  <a:ext uri="{FF2B5EF4-FFF2-40B4-BE49-F238E27FC236}">
+                    <a16:creationId xmlns:a16="http://schemas.microsoft.com/office/drawing/2014/main" id="{CC3B9C2E-EB57-0F19-9607-3D0E67182479}"/>
+                  </a:ext>
+                </a:extLst>
+              </p:cNvPr>
+              <p:cNvCxnSpPr>
+                <a:cxnSpLocks/>
+              </p:cNvCxnSpPr>
+              <p:nvPr/>
+            </p:nvCxnSpPr>
+            <p:spPr>
+              <a:xfrm flipV="1">
+                <a:off x="7955046" y="2560307"/>
+                <a:ext cx="420370" cy="0"/>
+              </a:xfrm>
+              <a:prstGeom prst="straightConnector1">
+                <a:avLst/>
+              </a:prstGeom>
+              <a:ln w="9525">
+                <a:solidFill>
+                  <a:schemeClr val="tx1"/>
+                </a:solidFill>
+                <a:prstDash val="solid"/>
+                <a:headEnd type="triangle" w="sm" len="med"/>
+                <a:tailEnd type="triangle" w="sm" len="med"/>
+              </a:ln>
+            </p:spPr>
+            <p:style>
+              <a:lnRef idx="1">
+                <a:schemeClr val="accent1"/>
+              </a:lnRef>
+              <a:fillRef idx="0">
+                <a:schemeClr val="accent1"/>
+              </a:fillRef>
+              <a:effectRef idx="0">
+                <a:schemeClr val="accent1"/>
+              </a:effectRef>
+              <a:fontRef idx="minor">
+                <a:schemeClr val="tx1"/>
+              </a:fontRef>
+            </p:style>
+          </p:cxnSp>
+          <p:sp>
+            <p:nvSpPr>
+              <p:cNvPr id="25" name="Text Box 2">
+                <a:extLst>
+                  <a:ext uri="{FF2B5EF4-FFF2-40B4-BE49-F238E27FC236}">
+                    <a16:creationId xmlns:a16="http://schemas.microsoft.com/office/drawing/2014/main" id="{C7F9EA1C-40C2-BE07-311C-F6CF0A6F5E3C}"/>
+                  </a:ext>
+                </a:extLst>
+              </p:cNvPr>
+              <p:cNvSpPr txBox="1">
+                <a:spLocks noChangeArrowheads="1"/>
+              </p:cNvSpPr>
+              <p:nvPr/>
+            </p:nvSpPr>
+            <p:spPr bwMode="auto">
+              <a:xfrm>
+                <a:off x="4609984" y="2525627"/>
+                <a:ext cx="543560" cy="226922"/>
+              </a:xfrm>
+              <a:prstGeom prst="rect">
+                <a:avLst/>
+              </a:prstGeom>
+              <a:noFill/>
+              <a:ln w="9525">
+                <a:noFill/>
+                <a:miter lim="800000"/>
+                <a:headEnd/>
+                <a:tailEnd/>
+              </a:ln>
+            </p:spPr>
+            <p:txBody>
+              <a:bodyPr rot="0" vert="horz" wrap="square" lIns="91440" tIns="45720" rIns="91440" bIns="45720" anchor="t" anchorCtr="0">
+                <a:spAutoFit/>
+              </a:bodyPr>
+              <a:lstStyle/>
+              <a:p>
+                <a:pPr marL="0" marR="0" algn="ctr">
+                  <a:lnSpc>
+                    <a:spcPct val="115000"/>
+                  </a:lnSpc>
+                  <a:spcBef>
+                    <a:spcPts val="0"/>
+                  </a:spcBef>
+                  <a:spcAft>
+                    <a:spcPts val="800"/>
+                  </a:spcAft>
+                </a:pPr>
+                <a:r>
+                  <a:rPr lang="en-GB" sz="800" b="1" kern="100" dirty="0">
+                    <a:effectLst/>
+                    <a:latin typeface="Aptos" panose="020B0004020202020204" pitchFamily="34" charset="0"/>
+                    <a:ea typeface="DengXian" panose="02010600030101010101" pitchFamily="2" charset="-122"/>
+                    <a:cs typeface="Times New Roman" panose="02020603050405020304" pitchFamily="18" charset="0"/>
+                  </a:rPr>
+                  <a:t>26.0865</a:t>
+                </a:r>
+                <a:endParaRPr lang="en-GB" sz="1400" b="1" kern="100" dirty="0">
+                  <a:effectLst/>
+                  <a:latin typeface="Aptos" panose="020B0004020202020204" pitchFamily="34" charset="0"/>
+                  <a:ea typeface="DengXian" panose="02010600030101010101" pitchFamily="2" charset="-122"/>
+                  <a:cs typeface="Times New Roman" panose="02020603050405020304" pitchFamily="18" charset="0"/>
+                </a:endParaRPr>
+              </a:p>
+            </p:txBody>
+          </p:sp>
+        </p:grpSp>
+      </p:grpSp>
+      <p:sp>
+        <p:nvSpPr>
+          <p:cNvPr id="33" name="TextBox 32">
+            <a:extLst>
+              <a:ext uri="{FF2B5EF4-FFF2-40B4-BE49-F238E27FC236}">
+                <a16:creationId xmlns:a16="http://schemas.microsoft.com/office/drawing/2014/main" id="{54092340-4DC7-D904-FB31-C44AA4A6E074}"/>
+              </a:ext>
+            </a:extLst>
+          </p:cNvPr>
+          <p:cNvSpPr txBox="1"/>
+          <p:nvPr/>
+        </p:nvSpPr>
+        <p:spPr>
+          <a:xfrm>
+            <a:off x="7573597" y="1228829"/>
+            <a:ext cx="1191529" cy="307777"/>
+          </a:xfrm>
+          <a:prstGeom prst="rect">
+            <a:avLst/>
+          </a:prstGeom>
+          <a:noFill/>
+        </p:spPr>
+        <p:txBody>
+          <a:bodyPr wrap="square" rtlCol="0">
+            <a:spAutoFit/>
+          </a:bodyPr>
+          <a:lstStyle/>
+          <a:p>
+            <a:pPr algn="ctr"/>
+            <a:r>
+              <a:rPr lang="en-US" sz="1400" b="1" dirty="0"/>
+              <a:t>@475GHz</a:t>
+            </a:r>
+            <a:endParaRPr lang="LID4096" sz="1400" b="1" dirty="0"/>
+          </a:p>
+        </p:txBody>
+      </p:sp>
+    </p:spTree>
+    <p:extLst>
+      <p:ext uri="{BB962C8B-B14F-4D97-AF65-F5344CB8AC3E}">
+        <p14:creationId xmlns:p14="http://schemas.microsoft.com/office/powerpoint/2010/main" val="2245691633"/>
       </p:ext>
     </p:extLst>
   </p:cSld>
